--- a/DATA_608_Assignment_5_Eddie_Xu.pptx
+++ b/DATA_608_Assignment_5_Eddie_Xu.pptx
@@ -6,9 +6,10 @@
   </p:sldMasterIdLst>
   <p:sldIdLst>
     <p:sldId id="257" r:id="rId2"/>
-    <p:sldId id="258" r:id="rId3"/>
-    <p:sldId id="259" r:id="rId4"/>
-    <p:sldId id="260" r:id="rId5"/>
+    <p:sldId id="261" r:id="rId3"/>
+    <p:sldId id="258" r:id="rId4"/>
+    <p:sldId id="259" r:id="rId5"/>
+    <p:sldId id="260" r:id="rId6"/>
   </p:sldIdLst>
   <p:sldSz cx="12192000" cy="6858000"/>
   <p:notesSz cx="6858000" cy="9144000"/>
@@ -107,6 +108,11 @@
       </a:defRPr>
     </a:lvl9pPr>
   </p:defaultTextStyle>
+  <p:extLst>
+    <p:ext uri="{EFAFB233-063F-42B5-8137-9DF3F51BA10A}">
+      <p15:sldGuideLst xmlns:p15="http://schemas.microsoft.com/office/powerpoint/2012/main"/>
+    </p:ext>
+  </p:extLst>
 </p:presentation>
 </file>
 
@@ -257,7 +263,7 @@
           <a:p>
             <a:fld id="{022A0F9D-2AF3-8946-B2F5-73C9F7FAA745}" type="datetimeFigureOut">
               <a:rPr lang="en-US" smtClean="0"/>
-              <a:t>11/4/24</a:t>
+              <a:t>11/10/24</a:t>
             </a:fld>
             <a:endParaRPr lang="en-US"/>
           </a:p>
@@ -455,7 +461,7 @@
           <a:p>
             <a:fld id="{022A0F9D-2AF3-8946-B2F5-73C9F7FAA745}" type="datetimeFigureOut">
               <a:rPr lang="en-US" smtClean="0"/>
-              <a:t>11/4/24</a:t>
+              <a:t>11/10/24</a:t>
             </a:fld>
             <a:endParaRPr lang="en-US"/>
           </a:p>
@@ -663,7 +669,7 @@
           <a:p>
             <a:fld id="{022A0F9D-2AF3-8946-B2F5-73C9F7FAA745}" type="datetimeFigureOut">
               <a:rPr lang="en-US" smtClean="0"/>
-              <a:t>11/4/24</a:t>
+              <a:t>11/10/24</a:t>
             </a:fld>
             <a:endParaRPr lang="en-US"/>
           </a:p>
@@ -861,7 +867,7 @@
           <a:p>
             <a:fld id="{022A0F9D-2AF3-8946-B2F5-73C9F7FAA745}" type="datetimeFigureOut">
               <a:rPr lang="en-US" smtClean="0"/>
-              <a:t>11/4/24</a:t>
+              <a:t>11/10/24</a:t>
             </a:fld>
             <a:endParaRPr lang="en-US"/>
           </a:p>
@@ -1136,7 +1142,7 @@
           <a:p>
             <a:fld id="{022A0F9D-2AF3-8946-B2F5-73C9F7FAA745}" type="datetimeFigureOut">
               <a:rPr lang="en-US" smtClean="0"/>
-              <a:t>11/4/24</a:t>
+              <a:t>11/10/24</a:t>
             </a:fld>
             <a:endParaRPr lang="en-US"/>
           </a:p>
@@ -1401,7 +1407,7 @@
           <a:p>
             <a:fld id="{022A0F9D-2AF3-8946-B2F5-73C9F7FAA745}" type="datetimeFigureOut">
               <a:rPr lang="en-US" smtClean="0"/>
-              <a:t>11/4/24</a:t>
+              <a:t>11/10/24</a:t>
             </a:fld>
             <a:endParaRPr lang="en-US"/>
           </a:p>
@@ -1813,7 +1819,7 @@
           <a:p>
             <a:fld id="{022A0F9D-2AF3-8946-B2F5-73C9F7FAA745}" type="datetimeFigureOut">
               <a:rPr lang="en-US" smtClean="0"/>
-              <a:t>11/4/24</a:t>
+              <a:t>11/10/24</a:t>
             </a:fld>
             <a:endParaRPr lang="en-US"/>
           </a:p>
@@ -1954,7 +1960,7 @@
           <a:p>
             <a:fld id="{022A0F9D-2AF3-8946-B2F5-73C9F7FAA745}" type="datetimeFigureOut">
               <a:rPr lang="en-US" smtClean="0"/>
-              <a:t>11/4/24</a:t>
+              <a:t>11/10/24</a:t>
             </a:fld>
             <a:endParaRPr lang="en-US"/>
           </a:p>
@@ -2067,7 +2073,7 @@
           <a:p>
             <a:fld id="{022A0F9D-2AF3-8946-B2F5-73C9F7FAA745}" type="datetimeFigureOut">
               <a:rPr lang="en-US" smtClean="0"/>
-              <a:t>11/4/24</a:t>
+              <a:t>11/10/24</a:t>
             </a:fld>
             <a:endParaRPr lang="en-US"/>
           </a:p>
@@ -2378,7 +2384,7 @@
           <a:p>
             <a:fld id="{022A0F9D-2AF3-8946-B2F5-73C9F7FAA745}" type="datetimeFigureOut">
               <a:rPr lang="en-US" smtClean="0"/>
-              <a:t>11/4/24</a:t>
+              <a:t>11/10/24</a:t>
             </a:fld>
             <a:endParaRPr lang="en-US"/>
           </a:p>
@@ -2666,7 +2672,7 @@
           <a:p>
             <a:fld id="{022A0F9D-2AF3-8946-B2F5-73C9F7FAA745}" type="datetimeFigureOut">
               <a:rPr lang="en-US" smtClean="0"/>
-              <a:t>11/4/24</a:t>
+              <a:t>11/10/24</a:t>
             </a:fld>
             <a:endParaRPr lang="en-US"/>
           </a:p>
@@ -2907,7 +2913,7 @@
           <a:p>
             <a:fld id="{022A0F9D-2AF3-8946-B2F5-73C9F7FAA745}" type="datetimeFigureOut">
               <a:rPr lang="en-US" smtClean="0"/>
-              <a:t>11/4/24</a:t>
+              <a:t>11/10/24</a:t>
             </a:fld>
             <a:endParaRPr lang="en-US"/>
           </a:p>
@@ -3334,10 +3340,10 @@
       </p:grpSpPr>
       <p:sp useBgFill="1">
         <p:nvSpPr>
-          <p:cNvPr id="12" name="Rectangle 11">
-            <a:extLst>
-              <a:ext uri="{FF2B5EF4-FFF2-40B4-BE49-F238E27FC236}">
-                <a16:creationId xmlns:a16="http://schemas.microsoft.com/office/drawing/2014/main" id="{F13C74B1-5B17-4795-BED0-7140497B445A}"/>
+          <p:cNvPr id="26" name="Rectangle 25">
+            <a:extLst>
+              <a:ext uri="{FF2B5EF4-FFF2-40B4-BE49-F238E27FC236}">
+                <a16:creationId xmlns:a16="http://schemas.microsoft.com/office/drawing/2014/main" id="{F83B1BEA-1159-4AE5-AD9B-9440E5189009}"/>
               </a:ext>
               <a:ext uri="{C183D7F6-B498-43B3-948B-1728B52AA6E4}">
                 <adec:decorative xmlns:adec="http://schemas.microsoft.com/office/drawing/2017/decorative" val="1"/>
@@ -3410,33 +3416,33 @@
         </p:nvSpPr>
         <p:spPr>
           <a:xfrm>
-            <a:off x="640080" y="325369"/>
-            <a:ext cx="3942430" cy="1994008"/>
+            <a:off x="630936" y="381000"/>
+            <a:ext cx="3419856" cy="2003057"/>
           </a:xfrm>
         </p:spPr>
         <p:txBody>
-          <a:bodyPr anchor="b">
+          <a:bodyPr anchor="ctr">
             <a:normAutofit/>
           </a:bodyPr>
           <a:lstStyle/>
           <a:p>
             <a:r>
-              <a:rPr lang="en-US" sz="2800" b="0" dirty="0">
+              <a:rPr lang="en-US" sz="3400" b="0">
                 <a:effectLst/>
                 <a:cs typeface="Calibri" panose="020F0502020204030204" pitchFamily="34" charset="0"/>
               </a:rPr>
               <a:t>What Is The Effect Of The Earth's Temperature on Cyclonic Storms?</a:t>
             </a:r>
-            <a:endParaRPr lang="en-US" sz="5400" dirty="0"/>
-          </a:p>
-        </p:txBody>
-      </p:sp>
-      <p:sp>
-        <p:nvSpPr>
-          <p:cNvPr id="14" name="sketchy line">
-            <a:extLst>
-              <a:ext uri="{FF2B5EF4-FFF2-40B4-BE49-F238E27FC236}">
-                <a16:creationId xmlns:a16="http://schemas.microsoft.com/office/drawing/2014/main" id="{D4974D33-8DC5-464E-8C6D-BE58F0669C17}"/>
+            <a:endParaRPr lang="en-US" sz="3400"/>
+          </a:p>
+        </p:txBody>
+      </p:sp>
+      <p:sp>
+        <p:nvSpPr>
+          <p:cNvPr id="28" name="sketch line">
+            <a:extLst>
+              <a:ext uri="{FF2B5EF4-FFF2-40B4-BE49-F238E27FC236}">
+                <a16:creationId xmlns:a16="http://schemas.microsoft.com/office/drawing/2014/main" id="{5D50C310-510F-45B8-81D2-BE905D5C6D58}"/>
               </a:ext>
               <a:ext uri="{C183D7F6-B498-43B3-948B-1728B52AA6E4}">
                 <adec:decorative xmlns:adec="http://schemas.microsoft.com/office/drawing/2017/decorative" val="1"/>
@@ -3455,39 +3461,31 @@
           </p:nvPr>
         </p:nvSpPr>
         <p:spPr>
-          <a:xfrm>
-            <a:off x="640080" y="2586994"/>
-            <a:ext cx="3474720" cy="18288"/>
+          <a:xfrm rot="5400000">
+            <a:off x="3557015" y="1412748"/>
+            <a:ext cx="1554480" cy="18288"/>
           </a:xfrm>
           <a:custGeom>
             <a:avLst/>
             <a:gdLst>
-              <a:gd name="connsiteX0" fmla="*/ 0 w 3474720"/>
+              <a:gd name="connsiteX0" fmla="*/ 0 w 1554480"/>
               <a:gd name="connsiteY0" fmla="*/ 0 h 18288"/>
-              <a:gd name="connsiteX1" fmla="*/ 694944 w 3474720"/>
+              <a:gd name="connsiteX1" fmla="*/ 549250 w 1554480"/>
               <a:gd name="connsiteY1" fmla="*/ 0 h 18288"/>
-              <a:gd name="connsiteX2" fmla="*/ 1355141 w 3474720"/>
+              <a:gd name="connsiteX2" fmla="*/ 1082954 w 1554480"/>
               <a:gd name="connsiteY2" fmla="*/ 0 h 18288"/>
-              <a:gd name="connsiteX3" fmla="*/ 2015338 w 3474720"/>
+              <a:gd name="connsiteX3" fmla="*/ 1554480 w 1554480"/>
               <a:gd name="connsiteY3" fmla="*/ 0 h 18288"/>
-              <a:gd name="connsiteX4" fmla="*/ 2779776 w 3474720"/>
-              <a:gd name="connsiteY4" fmla="*/ 0 h 18288"/>
-              <a:gd name="connsiteX5" fmla="*/ 3474720 w 3474720"/>
-              <a:gd name="connsiteY5" fmla="*/ 0 h 18288"/>
-              <a:gd name="connsiteX6" fmla="*/ 3474720 w 3474720"/>
+              <a:gd name="connsiteX4" fmla="*/ 1554480 w 1554480"/>
+              <a:gd name="connsiteY4" fmla="*/ 18288 h 18288"/>
+              <a:gd name="connsiteX5" fmla="*/ 1067410 w 1554480"/>
+              <a:gd name="connsiteY5" fmla="*/ 18288 h 18288"/>
+              <a:gd name="connsiteX6" fmla="*/ 549250 w 1554480"/>
               <a:gd name="connsiteY6" fmla="*/ 18288 h 18288"/>
-              <a:gd name="connsiteX7" fmla="*/ 2779776 w 3474720"/>
+              <a:gd name="connsiteX7" fmla="*/ 0 w 1554480"/>
               <a:gd name="connsiteY7" fmla="*/ 18288 h 18288"/>
-              <a:gd name="connsiteX8" fmla="*/ 2189074 w 3474720"/>
-              <a:gd name="connsiteY8" fmla="*/ 18288 h 18288"/>
-              <a:gd name="connsiteX9" fmla="*/ 1528877 w 3474720"/>
-              <a:gd name="connsiteY9" fmla="*/ 18288 h 18288"/>
-              <a:gd name="connsiteX10" fmla="*/ 868680 w 3474720"/>
-              <a:gd name="connsiteY10" fmla="*/ 18288 h 18288"/>
-              <a:gd name="connsiteX11" fmla="*/ 0 w 3474720"/>
-              <a:gd name="connsiteY11" fmla="*/ 18288 h 18288"/>
-              <a:gd name="connsiteX12" fmla="*/ 0 w 3474720"/>
-              <a:gd name="connsiteY12" fmla="*/ 0 h 18288"/>
+              <a:gd name="connsiteX8" fmla="*/ 0 w 1554480"/>
+              <a:gd name="connsiteY8" fmla="*/ 0 h 18288"/>
             </a:gdLst>
             <a:ahLst/>
             <a:cxnLst>
@@ -3518,149 +3516,97 @@
               <a:cxn ang="0">
                 <a:pos x="connsiteX8" y="connsiteY8"/>
               </a:cxn>
-              <a:cxn ang="0">
-                <a:pos x="connsiteX9" y="connsiteY9"/>
-              </a:cxn>
-              <a:cxn ang="0">
-                <a:pos x="connsiteX10" y="connsiteY10"/>
-              </a:cxn>
-              <a:cxn ang="0">
-                <a:pos x="connsiteX11" y="connsiteY11"/>
-              </a:cxn>
-              <a:cxn ang="0">
-                <a:pos x="connsiteX12" y="connsiteY12"/>
-              </a:cxn>
             </a:cxnLst>
             <a:rect l="l" t="t" r="r" b="b"/>
             <a:pathLst>
-              <a:path w="3474720" h="18288" fill="none" extrusionOk="0">
+              <a:path w="1554480" h="18288" fill="none" extrusionOk="0">
                 <a:moveTo>
                   <a:pt x="0" y="0"/>
                 </a:moveTo>
                 <a:cubicBezTo>
-                  <a:pt x="224454" y="-14544"/>
-                  <a:pt x="495407" y="26540"/>
-                  <a:pt x="694944" y="0"/>
-                </a:cubicBezTo>
-                <a:cubicBezTo>
-                  <a:pt x="894481" y="-26540"/>
-                  <a:pt x="1130063" y="24713"/>
-                  <a:pt x="1355141" y="0"/>
-                </a:cubicBezTo>
-                <a:cubicBezTo>
-                  <a:pt x="1580219" y="-24713"/>
-                  <a:pt x="1820099" y="26695"/>
-                  <a:pt x="2015338" y="0"/>
-                </a:cubicBezTo>
-                <a:cubicBezTo>
-                  <a:pt x="2210577" y="-26695"/>
-                  <a:pt x="2402045" y="165"/>
-                  <a:pt x="2779776" y="0"/>
-                </a:cubicBezTo>
-                <a:cubicBezTo>
-                  <a:pt x="3157507" y="-165"/>
-                  <a:pt x="3286859" y="-15571"/>
-                  <a:pt x="3474720" y="0"/>
-                </a:cubicBezTo>
-                <a:cubicBezTo>
-                  <a:pt x="3474286" y="7551"/>
-                  <a:pt x="3474253" y="9822"/>
-                  <a:pt x="3474720" y="18288"/>
-                </a:cubicBezTo>
-                <a:cubicBezTo>
-                  <a:pt x="3233904" y="29845"/>
-                  <a:pt x="2945134" y="-5256"/>
-                  <a:pt x="2779776" y="18288"/>
-                </a:cubicBezTo>
-                <a:cubicBezTo>
-                  <a:pt x="2614418" y="41832"/>
-                  <a:pt x="2339768" y="22709"/>
-                  <a:pt x="2189074" y="18288"/>
-                </a:cubicBezTo>
-                <a:cubicBezTo>
-                  <a:pt x="2038380" y="13867"/>
-                  <a:pt x="1817434" y="-4947"/>
-                  <a:pt x="1528877" y="18288"/>
-                </a:cubicBezTo>
-                <a:cubicBezTo>
-                  <a:pt x="1240320" y="41523"/>
-                  <a:pt x="1042447" y="37198"/>
-                  <a:pt x="868680" y="18288"/>
-                </a:cubicBezTo>
-                <a:cubicBezTo>
-                  <a:pt x="694913" y="-622"/>
-                  <a:pt x="233232" y="44909"/>
+                  <a:pt x="114141" y="-19864"/>
+                  <a:pt x="345055" y="-1657"/>
+                  <a:pt x="549250" y="0"/>
+                </a:cubicBezTo>
+                <a:cubicBezTo>
+                  <a:pt x="753445" y="1657"/>
+                  <a:pt x="862292" y="-5674"/>
+                  <a:pt x="1082954" y="0"/>
+                </a:cubicBezTo>
+                <a:cubicBezTo>
+                  <a:pt x="1303616" y="5674"/>
+                  <a:pt x="1363530" y="4537"/>
+                  <a:pt x="1554480" y="0"/>
+                </a:cubicBezTo>
+                <a:cubicBezTo>
+                  <a:pt x="1554963" y="7176"/>
+                  <a:pt x="1553909" y="13682"/>
+                  <a:pt x="1554480" y="18288"/>
+                </a:cubicBezTo>
+                <a:cubicBezTo>
+                  <a:pt x="1338847" y="6127"/>
+                  <a:pt x="1215066" y="37851"/>
+                  <a:pt x="1067410" y="18288"/>
+                </a:cubicBezTo>
+                <a:cubicBezTo>
+                  <a:pt x="919754" y="-1275"/>
+                  <a:pt x="800465" y="3080"/>
+                  <a:pt x="549250" y="18288"/>
+                </a:cubicBezTo>
+                <a:cubicBezTo>
+                  <a:pt x="298035" y="33496"/>
+                  <a:pt x="158868" y="22769"/>
                   <a:pt x="0" y="18288"/>
                 </a:cubicBezTo>
                 <a:cubicBezTo>
-                  <a:pt x="60" y="11696"/>
-                  <a:pt x="66" y="3758"/>
+                  <a:pt x="-655" y="13237"/>
+                  <a:pt x="709" y="4645"/>
                   <a:pt x="0" y="0"/>
                 </a:cubicBezTo>
                 <a:close/>
               </a:path>
-              <a:path w="3474720" h="18288" stroke="0" extrusionOk="0">
+              <a:path w="1554480" h="18288" stroke="0" extrusionOk="0">
                 <a:moveTo>
                   <a:pt x="0" y="0"/>
                 </a:moveTo>
                 <a:cubicBezTo>
-                  <a:pt x="202328" y="-14716"/>
-                  <a:pt x="332722" y="-11499"/>
-                  <a:pt x="625450" y="0"/>
-                </a:cubicBezTo>
-                <a:cubicBezTo>
-                  <a:pt x="918178" y="11499"/>
-                  <a:pt x="1096688" y="5123"/>
-                  <a:pt x="1389888" y="0"/>
-                </a:cubicBezTo>
-                <a:cubicBezTo>
-                  <a:pt x="1683088" y="-5123"/>
-                  <a:pt x="1835981" y="-14038"/>
-                  <a:pt x="1980590" y="0"/>
-                </a:cubicBezTo>
-                <a:cubicBezTo>
-                  <a:pt x="2125199" y="14038"/>
-                  <a:pt x="2396099" y="-7203"/>
-                  <a:pt x="2571293" y="0"/>
-                </a:cubicBezTo>
-                <a:cubicBezTo>
-                  <a:pt x="2746487" y="7203"/>
-                  <a:pt x="3041609" y="-12036"/>
-                  <a:pt x="3474720" y="0"/>
-                </a:cubicBezTo>
-                <a:cubicBezTo>
-                  <a:pt x="3474638" y="4406"/>
-                  <a:pt x="3474631" y="9982"/>
-                  <a:pt x="3474720" y="18288"/>
-                </a:cubicBezTo>
-                <a:cubicBezTo>
-                  <a:pt x="3324873" y="21876"/>
-                  <a:pt x="3136771" y="12587"/>
-                  <a:pt x="2814523" y="18288"/>
-                </a:cubicBezTo>
-                <a:cubicBezTo>
-                  <a:pt x="2492275" y="23989"/>
-                  <a:pt x="2294402" y="47111"/>
-                  <a:pt x="2154326" y="18288"/>
-                </a:cubicBezTo>
-                <a:cubicBezTo>
-                  <a:pt x="2014250" y="-10535"/>
-                  <a:pt x="1820317" y="33903"/>
-                  <a:pt x="1494130" y="18288"/>
-                </a:cubicBezTo>
-                <a:cubicBezTo>
-                  <a:pt x="1167943" y="2673"/>
-                  <a:pt x="948432" y="14868"/>
-                  <a:pt x="729691" y="18288"/>
-                </a:cubicBezTo>
-                <a:cubicBezTo>
-                  <a:pt x="510950" y="21708"/>
-                  <a:pt x="264032" y="24354"/>
+                  <a:pt x="249941" y="-58"/>
+                  <a:pt x="367334" y="23448"/>
+                  <a:pt x="502615" y="0"/>
+                </a:cubicBezTo>
+                <a:cubicBezTo>
+                  <a:pt x="637897" y="-23448"/>
+                  <a:pt x="813653" y="-20418"/>
+                  <a:pt x="974141" y="0"/>
+                </a:cubicBezTo>
+                <a:cubicBezTo>
+                  <a:pt x="1134629" y="20418"/>
+                  <a:pt x="1268772" y="6288"/>
+                  <a:pt x="1554480" y="0"/>
+                </a:cubicBezTo>
+                <a:cubicBezTo>
+                  <a:pt x="1554917" y="7222"/>
+                  <a:pt x="1555359" y="13299"/>
+                  <a:pt x="1554480" y="18288"/>
+                </a:cubicBezTo>
+                <a:cubicBezTo>
+                  <a:pt x="1336087" y="12172"/>
+                  <a:pt x="1310024" y="19759"/>
+                  <a:pt x="1067410" y="18288"/>
+                </a:cubicBezTo>
+                <a:cubicBezTo>
+                  <a:pt x="824796" y="16818"/>
+                  <a:pt x="787902" y="34647"/>
+                  <a:pt x="518160" y="18288"/>
+                </a:cubicBezTo>
+                <a:cubicBezTo>
+                  <a:pt x="248418" y="1930"/>
+                  <a:pt x="133160" y="9205"/>
                   <a:pt x="0" y="18288"/>
                 </a:cubicBezTo>
                 <a:cubicBezTo>
-                  <a:pt x="189" y="14288"/>
-                  <a:pt x="-703" y="3747"/>
+                  <a:pt x="-643" y="9451"/>
+                  <a:pt x="-340" y="7114"/>
                   <a:pt x="0" y="0"/>
                 </a:cubicBezTo>
                 <a:close/>
@@ -3670,14 +3616,14 @@
           <a:solidFill>
             <a:schemeClr val="accent2"/>
           </a:solidFill>
-          <a:ln w="44450" cap="rnd">
+          <a:ln w="41275" cap="rnd">
             <a:solidFill>
               <a:schemeClr val="accent2"/>
             </a:solidFill>
             <a:round/>
             <a:extLst>
               <a:ext uri="{C807C97D-BFC1-408E-A445-0C87EB9F89A2}">
-                <ask:lineSketchStyleProps xmlns:ask="http://schemas.microsoft.com/office/drawing/2018/sketchyshapes" sd="2863741219">
+                <ask:lineSketchStyleProps xmlns:ask="http://schemas.microsoft.com/office/drawing/2018/sketchyshapes" sd="1219033472">
                   <a:prstGeom prst="rect">
                     <a:avLst/>
                   </a:prstGeom>
@@ -3732,41 +3678,244 @@
         </p:nvSpPr>
         <p:spPr>
           <a:xfrm>
-            <a:off x="640080" y="2872899"/>
-            <a:ext cx="4243589" cy="3320668"/>
+            <a:off x="4654295" y="381000"/>
+            <a:ext cx="6894576" cy="2003057"/>
           </a:xfrm>
         </p:spPr>
         <p:txBody>
-          <a:bodyPr>
+          <a:bodyPr anchor="ctr">
             <a:normAutofit/>
           </a:bodyPr>
           <a:lstStyle/>
           <a:p>
             <a:r>
-              <a:rPr lang="en-US" sz="2200" dirty="0"/>
+              <a:rPr lang="en-US" sz="2000" dirty="0"/>
               <a:t>Anomaly: Change from 30 years average</a:t>
             </a:r>
           </a:p>
           <a:p>
             <a:r>
-              <a:rPr lang="en-US" sz="2200" dirty="0"/>
+              <a:rPr lang="en-US" sz="2000" dirty="0"/>
               <a:t>Earth’s temperature is getting warmer in past 25 years.</a:t>
             </a:r>
           </a:p>
           <a:p>
             <a:r>
-              <a:rPr lang="en-US" sz="2200" dirty="0"/>
+              <a:rPr lang="en-US" sz="2000" dirty="0"/>
               <a:t>Both Land and Ocean temperatures are getting warmer.</a:t>
             </a:r>
+          </a:p>
+          <a:p>
+            <a:r>
+              <a:rPr lang="en-US" sz="2000" dirty="0"/>
+              <a:t>This leads to more cyclonic storms.</a:t>
+            </a:r>
+          </a:p>
+          <a:p>
+            <a:endParaRPr lang="en-US" sz="2000" dirty="0"/>
           </a:p>
         </p:txBody>
       </p:sp>
       <p:pic>
         <p:nvPicPr>
-          <p:cNvPr id="5" name="Content Placeholder 4" descr="A graph of different colored lines&#10;&#10;Description automatically generated">
-            <a:extLst>
-              <a:ext uri="{FF2B5EF4-FFF2-40B4-BE49-F238E27FC236}">
-                <a16:creationId xmlns:a16="http://schemas.microsoft.com/office/drawing/2014/main" id="{8A442C7A-9DF3-4CEA-79AD-9B845F695199}"/>
+          <p:cNvPr id="7" name="Picture 6" descr="A graph with yellow lines and red lines&#10;&#10;Description automatically generated">
+            <a:extLst>
+              <a:ext uri="{FF2B5EF4-FFF2-40B4-BE49-F238E27FC236}">
+                <a16:creationId xmlns:a16="http://schemas.microsoft.com/office/drawing/2014/main" id="{B4CBF14B-0617-85BA-ADA3-1862BB88C67D}"/>
+              </a:ext>
+            </a:extLst>
+          </p:cNvPr>
+          <p:cNvPicPr>
+            <a:picLocks noChangeAspect="1"/>
+          </p:cNvPicPr>
+          <p:nvPr/>
+        </p:nvPicPr>
+        <p:blipFill rotWithShape="1">
+          <a:blip r:embed="rId2"/>
+          <a:srcRect/>
+          <a:stretch/>
+        </p:blipFill>
+        <p:spPr>
+          <a:xfrm>
+            <a:off x="8" y="2286010"/>
+            <a:ext cx="6095992" cy="4572002"/>
+          </a:xfrm>
+          <a:custGeom>
+            <a:avLst/>
+            <a:gdLst/>
+            <a:ahLst/>
+            <a:cxnLst/>
+            <a:rect l="l" t="t" r="r" b="b"/>
+            <a:pathLst>
+              <a:path w="6005375" h="4189309">
+                <a:moveTo>
+                  <a:pt x="5422311" y="873"/>
+                </a:moveTo>
+                <a:cubicBezTo>
+                  <a:pt x="5467738" y="-1249"/>
+                  <a:pt x="5513346" y="499"/>
+                  <a:pt x="5558643" y="6137"/>
+                </a:cubicBezTo>
+                <a:cubicBezTo>
+                  <a:pt x="5633356" y="13367"/>
+                  <a:pt x="5708323" y="18441"/>
+                  <a:pt x="5783036" y="26052"/>
+                </a:cubicBezTo>
+                <a:cubicBezTo>
+                  <a:pt x="5816269" y="29477"/>
+                  <a:pt x="5849884" y="16792"/>
+                  <a:pt x="5882612" y="28462"/>
+                </a:cubicBezTo>
+                <a:cubicBezTo>
+                  <a:pt x="5909726" y="38166"/>
+                  <a:pt x="5937089" y="43856"/>
+                  <a:pt x="5964555" y="46416"/>
+                </a:cubicBezTo>
+                <a:lnTo>
+                  <a:pt x="5997178" y="46088"/>
+                </a:lnTo>
+                <a:lnTo>
+                  <a:pt x="5995170" y="275470"/>
+                </a:lnTo>
+                <a:cubicBezTo>
+                  <a:pt x="5993432" y="411056"/>
+                  <a:pt x="5993035" y="546624"/>
+                  <a:pt x="5999656" y="682159"/>
+                </a:cubicBezTo>
+                <a:cubicBezTo>
+                  <a:pt x="6009854" y="891918"/>
+                  <a:pt x="6003364" y="1101545"/>
+                  <a:pt x="5999656" y="1311172"/>
+                </a:cubicBezTo>
+                <a:cubicBezTo>
+                  <a:pt x="5992506" y="1713210"/>
+                  <a:pt x="6003364" y="2114718"/>
+                  <a:pt x="5998730" y="2516227"/>
+                </a:cubicBezTo>
+                <a:cubicBezTo>
+                  <a:pt x="5996744" y="2694204"/>
+                  <a:pt x="5998994" y="2871916"/>
+                  <a:pt x="6003364" y="3049893"/>
+                </a:cubicBezTo>
+                <a:cubicBezTo>
+                  <a:pt x="6009720" y="3304015"/>
+                  <a:pt x="5999922" y="3558268"/>
+                  <a:pt x="5989196" y="3812257"/>
+                </a:cubicBezTo>
+                <a:cubicBezTo>
+                  <a:pt x="5985594" y="3882097"/>
+                  <a:pt x="5984646" y="3952020"/>
+                  <a:pt x="5986348" y="4021878"/>
+                </a:cubicBezTo>
+                <a:lnTo>
+                  <a:pt x="5996786" y="4189309"/>
+                </a:lnTo>
+                <a:lnTo>
+                  <a:pt x="0" y="4189309"/>
+                </a:lnTo>
+                <a:lnTo>
+                  <a:pt x="0" y="27247"/>
+                </a:lnTo>
+                <a:lnTo>
+                  <a:pt x="495" y="27408"/>
+                </a:lnTo>
+                <a:cubicBezTo>
+                  <a:pt x="5176" y="27551"/>
+                  <a:pt x="10686" y="26465"/>
+                  <a:pt x="17314" y="23896"/>
+                </a:cubicBezTo>
+                <a:cubicBezTo>
+                  <a:pt x="33823" y="19050"/>
+                  <a:pt x="50862" y="16234"/>
+                  <a:pt x="68053" y="15524"/>
+                </a:cubicBezTo>
+                <a:cubicBezTo>
+                  <a:pt x="200481" y="-1093"/>
+                  <a:pt x="333037" y="3346"/>
+                  <a:pt x="466100" y="8801"/>
+                </a:cubicBezTo>
+                <a:cubicBezTo>
+                  <a:pt x="697850" y="18187"/>
+                  <a:pt x="929854" y="29096"/>
+                  <a:pt x="1161985" y="25798"/>
+                </a:cubicBezTo>
+                <a:cubicBezTo>
+                  <a:pt x="1397540" y="22373"/>
+                  <a:pt x="1632588" y="29604"/>
+                  <a:pt x="1867890" y="39117"/>
+                </a:cubicBezTo>
+                <a:cubicBezTo>
+                  <a:pt x="1971017" y="43050"/>
+                  <a:pt x="2074779" y="46982"/>
+                  <a:pt x="2176256" y="17680"/>
+                </a:cubicBezTo>
+                <a:cubicBezTo>
+                  <a:pt x="2199190" y="12314"/>
+                  <a:pt x="2223101" y="12834"/>
+                  <a:pt x="2245769" y="19202"/>
+                </a:cubicBezTo>
+                <a:cubicBezTo>
+                  <a:pt x="2359678" y="45713"/>
+                  <a:pt x="2474221" y="53578"/>
+                  <a:pt x="2589398" y="27447"/>
+                </a:cubicBezTo>
+                <a:cubicBezTo>
+                  <a:pt x="2721802" y="-1220"/>
+                  <a:pt x="2858087" y="-7347"/>
+                  <a:pt x="2992519" y="9308"/>
+                </a:cubicBezTo>
+                <a:cubicBezTo>
+                  <a:pt x="3115435" y="23008"/>
+                  <a:pt x="3238984" y="37849"/>
+                  <a:pt x="3362153" y="26813"/>
+                </a:cubicBezTo>
+                <a:cubicBezTo>
+                  <a:pt x="3556737" y="9308"/>
+                  <a:pt x="3751067" y="24530"/>
+                  <a:pt x="3945651" y="29223"/>
+                </a:cubicBezTo>
+                <a:cubicBezTo>
+                  <a:pt x="4010343" y="30745"/>
+                  <a:pt x="4075416" y="44064"/>
+                  <a:pt x="4139727" y="32141"/>
+                </a:cubicBezTo>
+                <a:cubicBezTo>
+                  <a:pt x="4241079" y="13367"/>
+                  <a:pt x="4341288" y="20597"/>
+                  <a:pt x="4442766" y="31126"/>
+                </a:cubicBezTo>
+                <a:cubicBezTo>
+                  <a:pt x="4637096" y="51422"/>
+                  <a:pt x="4831299" y="61189"/>
+                  <a:pt x="5024742" y="23134"/>
+                </a:cubicBezTo>
+                <a:cubicBezTo>
+                  <a:pt x="5084742" y="11211"/>
+                  <a:pt x="5144359" y="4361"/>
+                  <a:pt x="5205373" y="20344"/>
+                </a:cubicBezTo>
+                <a:cubicBezTo>
+                  <a:pt x="5232315" y="26496"/>
+                  <a:pt x="5260361" y="25976"/>
+                  <a:pt x="5287062" y="18822"/>
+                </a:cubicBezTo>
+                <a:cubicBezTo>
+                  <a:pt x="5331637" y="8985"/>
+                  <a:pt x="5376883" y="2995"/>
+                  <a:pt x="5422311" y="873"/>
+                </a:cubicBezTo>
+                <a:close/>
+              </a:path>
+            </a:pathLst>
+          </a:custGeom>
+        </p:spPr>
+      </p:pic>
+      <p:pic>
+        <p:nvPicPr>
+          <p:cNvPr id="4" name="Picture 3" descr="A graph showing the temperature of the ocean&#10;&#10;Description automatically generated">
+            <a:extLst>
+              <a:ext uri="{FF2B5EF4-FFF2-40B4-BE49-F238E27FC236}">
+                <a16:creationId xmlns:a16="http://schemas.microsoft.com/office/drawing/2014/main" id="{C94F435E-2D3B-38B6-889D-03C0CF2F5222}"/>
               </a:ext>
             </a:extLst>
           </p:cNvPr>
@@ -3776,17 +3925,218 @@
           <p:nvPr/>
         </p:nvPicPr>
         <p:blipFill>
-          <a:blip r:embed="rId2"/>
+          <a:blip r:embed="rId3"/>
+          <a:srcRect r="1910" b="1"/>
           <a:stretch/>
         </p:blipFill>
         <p:spPr>
           <a:xfrm>
-            <a:off x="4988327" y="1063678"/>
-            <a:ext cx="7095966" cy="4730644"/>
+            <a:off x="6019800" y="2657872"/>
+            <a:ext cx="6172193" cy="4200116"/>
           </a:xfrm>
-          <a:prstGeom prst="rect">
+          <a:custGeom>
             <a:avLst/>
-          </a:prstGeom>
+            <a:gdLst/>
+            <a:ahLst/>
+            <a:cxnLst/>
+            <a:rect l="l" t="t" r="r" b="b"/>
+            <a:pathLst>
+              <a:path w="6006950" h="4200116">
+                <a:moveTo>
+                  <a:pt x="1035902" y="878"/>
+                </a:moveTo>
+                <a:cubicBezTo>
+                  <a:pt x="1135908" y="5076"/>
+                  <a:pt x="1234824" y="23223"/>
+                  <a:pt x="1334526" y="31024"/>
+                </a:cubicBezTo>
+                <a:cubicBezTo>
+                  <a:pt x="1429408" y="38508"/>
+                  <a:pt x="1524290" y="49417"/>
+                  <a:pt x="1619679" y="34449"/>
+                </a:cubicBezTo>
+                <a:cubicBezTo>
+                  <a:pt x="1713242" y="21726"/>
+                  <a:pt x="1807870" y="18745"/>
+                  <a:pt x="1902041" y="25570"/>
+                </a:cubicBezTo>
+                <a:cubicBezTo>
+                  <a:pt x="2006183" y="30770"/>
+                  <a:pt x="2110071" y="48021"/>
+                  <a:pt x="2214847" y="33561"/>
+                </a:cubicBezTo>
+                <a:cubicBezTo>
+                  <a:pt x="2228052" y="32216"/>
+                  <a:pt x="2241384" y="33954"/>
+                  <a:pt x="2253790" y="38635"/>
+                </a:cubicBezTo>
+                <a:cubicBezTo>
+                  <a:pt x="2294520" y="52169"/>
+                  <a:pt x="2338397" y="53007"/>
+                  <a:pt x="2379622" y="41045"/>
+                </a:cubicBezTo>
+                <a:cubicBezTo>
+                  <a:pt x="2431756" y="27168"/>
+                  <a:pt x="2486503" y="26254"/>
+                  <a:pt x="2539069" y="38381"/>
+                </a:cubicBezTo>
+                <a:cubicBezTo>
+                  <a:pt x="2617207" y="55379"/>
+                  <a:pt x="2695598" y="72123"/>
+                  <a:pt x="2776908" y="58169"/>
+                </a:cubicBezTo>
+                <a:cubicBezTo>
+                  <a:pt x="2824222" y="50178"/>
+                  <a:pt x="2868111" y="30770"/>
+                  <a:pt x="2914791" y="21637"/>
+                </a:cubicBezTo>
+                <a:cubicBezTo>
+                  <a:pt x="3049249" y="-4620"/>
+                  <a:pt x="3184976" y="3244"/>
+                  <a:pt x="3320703" y="12124"/>
+                </a:cubicBezTo>
+                <a:cubicBezTo>
+                  <a:pt x="3453259" y="20876"/>
+                  <a:pt x="3585179" y="38888"/>
+                  <a:pt x="3718496" y="36225"/>
+                </a:cubicBezTo>
+                <a:cubicBezTo>
+                  <a:pt x="3746884" y="36440"/>
+                  <a:pt x="3775210" y="38812"/>
+                  <a:pt x="3803230" y="43328"/>
+                </a:cubicBezTo>
+                <a:cubicBezTo>
+                  <a:pt x="3907245" y="57028"/>
+                  <a:pt x="4011767" y="69966"/>
+                  <a:pt x="4114640" y="42313"/>
+                </a:cubicBezTo>
+                <a:cubicBezTo>
+                  <a:pt x="4206871" y="17312"/>
+                  <a:pt x="4303111" y="10677"/>
+                  <a:pt x="4397891" y="22779"/>
+                </a:cubicBezTo>
+                <a:cubicBezTo>
+                  <a:pt x="4522696" y="39130"/>
+                  <a:pt x="4648846" y="42707"/>
+                  <a:pt x="4774374" y="33434"/>
+                </a:cubicBezTo>
+                <a:cubicBezTo>
+                  <a:pt x="4813773" y="29515"/>
+                  <a:pt x="4853387" y="28107"/>
+                  <a:pt x="4892977" y="29248"/>
+                </a:cubicBezTo>
+                <a:cubicBezTo>
+                  <a:pt x="5181681" y="42440"/>
+                  <a:pt x="5471273" y="25062"/>
+                  <a:pt x="5759471" y="55759"/>
+                </a:cubicBezTo>
+                <a:cubicBezTo>
+                  <a:pt x="5805028" y="61131"/>
+                  <a:pt x="5850896" y="61524"/>
+                  <a:pt x="5896277" y="57017"/>
+                </a:cubicBezTo>
+                <a:lnTo>
+                  <a:pt x="6006950" y="33749"/>
+                </a:lnTo>
+                <a:lnTo>
+                  <a:pt x="6006950" y="4200116"/>
+                </a:lnTo>
+                <a:lnTo>
+                  <a:pt x="13501" y="4200116"/>
+                </a:lnTo>
+                <a:lnTo>
+                  <a:pt x="28554" y="3862213"/>
+                </a:lnTo>
+                <a:cubicBezTo>
+                  <a:pt x="30457" y="3736758"/>
+                  <a:pt x="27411" y="3611386"/>
+                  <a:pt x="15626" y="3486312"/>
+                </a:cubicBezTo>
+                <a:cubicBezTo>
+                  <a:pt x="-847" y="3333707"/>
+                  <a:pt x="-4304" y="3179990"/>
+                  <a:pt x="5296" y="3026802"/>
+                </a:cubicBezTo>
+                <a:cubicBezTo>
+                  <a:pt x="11786" y="2939137"/>
+                  <a:pt x="18539" y="2851472"/>
+                  <a:pt x="22776" y="2763676"/>
+                </a:cubicBezTo>
+                <a:cubicBezTo>
+                  <a:pt x="28180" y="2638786"/>
+                  <a:pt x="25173" y="2513673"/>
+                  <a:pt x="13771" y="2389181"/>
+                </a:cubicBezTo>
+                <a:cubicBezTo>
+                  <a:pt x="4237" y="2294247"/>
+                  <a:pt x="3177" y="2198663"/>
+                  <a:pt x="10593" y="2103543"/>
+                </a:cubicBezTo>
+                <a:cubicBezTo>
+                  <a:pt x="25690" y="1941590"/>
+                  <a:pt x="9931" y="1779636"/>
+                  <a:pt x="5032" y="1617814"/>
+                </a:cubicBezTo>
+                <a:cubicBezTo>
+                  <a:pt x="-3577" y="1320125"/>
+                  <a:pt x="20393" y="1022570"/>
+                  <a:pt x="9666" y="724882"/>
+                </a:cubicBezTo>
+                <a:cubicBezTo>
+                  <a:pt x="3841" y="577627"/>
+                  <a:pt x="16420" y="430504"/>
+                  <a:pt x="9666" y="283249"/>
+                </a:cubicBezTo>
+                <a:cubicBezTo>
+                  <a:pt x="6885" y="230875"/>
+                  <a:pt x="4568" y="178502"/>
+                  <a:pt x="3409" y="126111"/>
+                </a:cubicBezTo>
+                <a:lnTo>
+                  <a:pt x="3819" y="33427"/>
+                </a:lnTo>
+                <a:lnTo>
+                  <a:pt x="31797" y="28723"/>
+                </a:lnTo>
+                <a:cubicBezTo>
+                  <a:pt x="147177" y="14068"/>
+                  <a:pt x="264046" y="13354"/>
+                  <a:pt x="379873" y="26711"/>
+                </a:cubicBezTo>
+                <a:cubicBezTo>
+                  <a:pt x="443931" y="35083"/>
+                  <a:pt x="508243" y="47768"/>
+                  <a:pt x="573442" y="35083"/>
+                </a:cubicBezTo>
+                <a:cubicBezTo>
+                  <a:pt x="579581" y="33992"/>
+                  <a:pt x="585759" y="36757"/>
+                  <a:pt x="589044" y="42060"/>
+                </a:cubicBezTo>
+                <a:cubicBezTo>
+                  <a:pt x="621264" y="81382"/>
+                  <a:pt x="663123" y="80114"/>
+                  <a:pt x="705871" y="67429"/>
+                </a:cubicBezTo>
+                <a:cubicBezTo>
+                  <a:pt x="733929" y="58740"/>
+                  <a:pt x="761430" y="48326"/>
+                  <a:pt x="788194" y="36225"/>
+                </a:cubicBezTo>
+                <a:cubicBezTo>
+                  <a:pt x="835052" y="16792"/>
+                  <a:pt x="884827" y="5299"/>
+                  <a:pt x="935464" y="2230"/>
+                </a:cubicBezTo>
+                <a:cubicBezTo>
+                  <a:pt x="969111" y="-370"/>
+                  <a:pt x="1002567" y="-521"/>
+                  <a:pt x="1035902" y="878"/>
+                </a:cubicBezTo>
+                <a:close/>
+              </a:path>
+            </a:pathLst>
+          </a:custGeom>
         </p:spPr>
       </p:pic>
     </p:spTree>
@@ -3832,7 +4182,7 @@
           <p:cNvPr id="16" name="Rectangle 15">
             <a:extLst>
               <a:ext uri="{FF2B5EF4-FFF2-40B4-BE49-F238E27FC236}">
-                <a16:creationId xmlns:a16="http://schemas.microsoft.com/office/drawing/2014/main" id="{2B97F24A-32CE-4C1C-A50D-3016B394DCFB}"/>
+                <a16:creationId xmlns:a16="http://schemas.microsoft.com/office/drawing/2014/main" id="{69D47016-023F-44BD-981C-50E7A10A6609}"/>
               </a:ext>
               <a:ext uri="{C183D7F6-B498-43B3-948B-1728B52AA6E4}">
                 <adec:decorative xmlns:adec="http://schemas.microsoft.com/office/drawing/2017/decorative" val="1"/>
@@ -3853,7 +4203,7 @@
         <p:spPr>
           <a:xfrm>
             <a:off x="0" y="0"/>
-            <a:ext cx="12192000" cy="6858000"/>
+            <a:ext cx="12188952" cy="6858000"/>
           </a:xfrm>
           <a:prstGeom prst="rect">
             <a:avLst/>
@@ -3883,7 +4233,7 @@
           <a:lstStyle/>
           <a:p>
             <a:pPr algn="ctr"/>
-            <a:endParaRPr lang="en-US"/>
+            <a:endParaRPr lang="en-US" dirty="0"/>
           </a:p>
         </p:txBody>
       </p:sp>
@@ -3892,7 +4242,7 @@
           <p:cNvPr id="2" name="Title 1">
             <a:extLst>
               <a:ext uri="{FF2B5EF4-FFF2-40B4-BE49-F238E27FC236}">
-                <a16:creationId xmlns:a16="http://schemas.microsoft.com/office/drawing/2014/main" id="{94CE9F86-D32A-8A81-D1E6-C1A03288EF53}"/>
+                <a16:creationId xmlns:a16="http://schemas.microsoft.com/office/drawing/2014/main" id="{57C06287-8A11-EC1E-61B2-04DCB5D9B9E4}"/>
               </a:ext>
             </a:extLst>
           </p:cNvPr>
@@ -3905,29 +4255,29 @@
         </p:nvSpPr>
         <p:spPr>
           <a:xfrm>
-            <a:off x="630936" y="639520"/>
-            <a:ext cx="3429000" cy="1719072"/>
+            <a:off x="630936" y="457200"/>
+            <a:ext cx="4343400" cy="1929384"/>
           </a:xfrm>
         </p:spPr>
         <p:txBody>
-          <a:bodyPr anchor="b">
+          <a:bodyPr vert="horz" lIns="91440" tIns="45720" rIns="91440" bIns="45720" rtlCol="0" anchor="ctr">
             <a:normAutofit/>
           </a:bodyPr>
           <a:lstStyle/>
           <a:p>
             <a:r>
-              <a:rPr lang="en-US" sz="5400" dirty="0"/>
-              <a:t>Hurricanes</a:t>
-            </a:r>
-          </a:p>
-        </p:txBody>
-      </p:sp>
-      <p:sp>
-        <p:nvSpPr>
-          <p:cNvPr id="18" name="sketch line">
-            <a:extLst>
-              <a:ext uri="{FF2B5EF4-FFF2-40B4-BE49-F238E27FC236}">
-                <a16:creationId xmlns:a16="http://schemas.microsoft.com/office/drawing/2014/main" id="{CD8B4F24-440B-49E9-B85D-733523DC064B}"/>
+              <a:rPr lang="en-US" sz="4800" dirty="0"/>
+              <a:t>Carbon Dioxide Impact</a:t>
+            </a:r>
+          </a:p>
+        </p:txBody>
+      </p:sp>
+      <p:sp>
+        <p:nvSpPr>
+          <p:cNvPr id="18" name="sketchy line">
+            <a:extLst>
+              <a:ext uri="{FF2B5EF4-FFF2-40B4-BE49-F238E27FC236}">
+                <a16:creationId xmlns:a16="http://schemas.microsoft.com/office/drawing/2014/main" id="{6D8B37B0-0682-433E-BC8D-498C04ABD9A7}"/>
               </a:ext>
               <a:ext uri="{C183D7F6-B498-43B3-948B-1728B52AA6E4}">
                 <adec:decorative xmlns:adec="http://schemas.microsoft.com/office/drawing/2017/decorative" val="1"/>
@@ -3946,37 +4296,31 @@
           </p:nvPr>
         </p:nvSpPr>
         <p:spPr>
-          <a:xfrm>
-            <a:off x="643278" y="2573756"/>
-            <a:ext cx="3255095" cy="18288"/>
+          <a:xfrm rot="5400000">
+            <a:off x="4471415" y="1412748"/>
+            <a:ext cx="1554480" cy="18288"/>
           </a:xfrm>
           <a:custGeom>
             <a:avLst/>
             <a:gdLst>
-              <a:gd name="connsiteX0" fmla="*/ 0 w 3255095"/>
+              <a:gd name="connsiteX0" fmla="*/ 0 w 1554480"/>
               <a:gd name="connsiteY0" fmla="*/ 0 h 18288"/>
-              <a:gd name="connsiteX1" fmla="*/ 618468 w 3255095"/>
+              <a:gd name="connsiteX1" fmla="*/ 549250 w 1554480"/>
               <a:gd name="connsiteY1" fmla="*/ 0 h 18288"/>
-              <a:gd name="connsiteX2" fmla="*/ 1269487 w 3255095"/>
+              <a:gd name="connsiteX2" fmla="*/ 1082954 w 1554480"/>
               <a:gd name="connsiteY2" fmla="*/ 0 h 18288"/>
-              <a:gd name="connsiteX3" fmla="*/ 1953057 w 3255095"/>
+              <a:gd name="connsiteX3" fmla="*/ 1554480 w 1554480"/>
               <a:gd name="connsiteY3" fmla="*/ 0 h 18288"/>
-              <a:gd name="connsiteX4" fmla="*/ 2636627 w 3255095"/>
-              <a:gd name="connsiteY4" fmla="*/ 0 h 18288"/>
-              <a:gd name="connsiteX5" fmla="*/ 3255095 w 3255095"/>
-              <a:gd name="connsiteY5" fmla="*/ 0 h 18288"/>
-              <a:gd name="connsiteX6" fmla="*/ 3255095 w 3255095"/>
+              <a:gd name="connsiteX4" fmla="*/ 1554480 w 1554480"/>
+              <a:gd name="connsiteY4" fmla="*/ 18288 h 18288"/>
+              <a:gd name="connsiteX5" fmla="*/ 1067410 w 1554480"/>
+              <a:gd name="connsiteY5" fmla="*/ 18288 h 18288"/>
+              <a:gd name="connsiteX6" fmla="*/ 549250 w 1554480"/>
               <a:gd name="connsiteY6" fmla="*/ 18288 h 18288"/>
-              <a:gd name="connsiteX7" fmla="*/ 2538974 w 3255095"/>
+              <a:gd name="connsiteX7" fmla="*/ 0 w 1554480"/>
               <a:gd name="connsiteY7" fmla="*/ 18288 h 18288"/>
-              <a:gd name="connsiteX8" fmla="*/ 1822853 w 3255095"/>
-              <a:gd name="connsiteY8" fmla="*/ 18288 h 18288"/>
-              <a:gd name="connsiteX9" fmla="*/ 1171834 w 3255095"/>
-              <a:gd name="connsiteY9" fmla="*/ 18288 h 18288"/>
-              <a:gd name="connsiteX10" fmla="*/ 0 w 3255095"/>
-              <a:gd name="connsiteY10" fmla="*/ 18288 h 18288"/>
-              <a:gd name="connsiteX11" fmla="*/ 0 w 3255095"/>
-              <a:gd name="connsiteY11" fmla="*/ 0 h 18288"/>
+              <a:gd name="connsiteX8" fmla="*/ 0 w 1554480"/>
+              <a:gd name="connsiteY8" fmla="*/ 0 h 18288"/>
             </a:gdLst>
             <a:ahLst/>
             <a:cxnLst>
@@ -4007,141 +4351,97 @@
               <a:cxn ang="0">
                 <a:pos x="connsiteX8" y="connsiteY8"/>
               </a:cxn>
-              <a:cxn ang="0">
-                <a:pos x="connsiteX9" y="connsiteY9"/>
-              </a:cxn>
-              <a:cxn ang="0">
-                <a:pos x="connsiteX10" y="connsiteY10"/>
-              </a:cxn>
-              <a:cxn ang="0">
-                <a:pos x="connsiteX11" y="connsiteY11"/>
-              </a:cxn>
             </a:cxnLst>
             <a:rect l="l" t="t" r="r" b="b"/>
             <a:pathLst>
-              <a:path w="3255095" h="18288" fill="none" extrusionOk="0">
+              <a:path w="1554480" h="18288" fill="none" extrusionOk="0">
                 <a:moveTo>
                   <a:pt x="0" y="0"/>
                 </a:moveTo>
                 <a:cubicBezTo>
-                  <a:pt x="240201" y="-22123"/>
-                  <a:pt x="462021" y="-19623"/>
-                  <a:pt x="618468" y="0"/>
-                </a:cubicBezTo>
-                <a:cubicBezTo>
-                  <a:pt x="774915" y="19623"/>
-                  <a:pt x="974734" y="2035"/>
-                  <a:pt x="1269487" y="0"/>
-                </a:cubicBezTo>
-                <a:cubicBezTo>
-                  <a:pt x="1564240" y="-2035"/>
-                  <a:pt x="1733579" y="10639"/>
-                  <a:pt x="1953057" y="0"/>
-                </a:cubicBezTo>
-                <a:cubicBezTo>
-                  <a:pt x="2172535" y="-10639"/>
-                  <a:pt x="2453962" y="14018"/>
-                  <a:pt x="2636627" y="0"/>
-                </a:cubicBezTo>
-                <a:cubicBezTo>
-                  <a:pt x="2819292" y="-14018"/>
-                  <a:pt x="3121375" y="5399"/>
-                  <a:pt x="3255095" y="0"/>
-                </a:cubicBezTo>
-                <a:cubicBezTo>
-                  <a:pt x="3254386" y="8157"/>
-                  <a:pt x="3254682" y="12125"/>
-                  <a:pt x="3255095" y="18288"/>
-                </a:cubicBezTo>
-                <a:cubicBezTo>
-                  <a:pt x="3088545" y="23203"/>
-                  <a:pt x="2687475" y="7419"/>
-                  <a:pt x="2538974" y="18288"/>
-                </a:cubicBezTo>
-                <a:cubicBezTo>
-                  <a:pt x="2390473" y="29157"/>
-                  <a:pt x="2137381" y="-8959"/>
-                  <a:pt x="1822853" y="18288"/>
-                </a:cubicBezTo>
-                <a:cubicBezTo>
-                  <a:pt x="1508325" y="45535"/>
-                  <a:pt x="1466437" y="20385"/>
-                  <a:pt x="1171834" y="18288"/>
-                </a:cubicBezTo>
-                <a:cubicBezTo>
-                  <a:pt x="877231" y="16191"/>
-                  <a:pt x="561097" y="37643"/>
+                  <a:pt x="114141" y="-19864"/>
+                  <a:pt x="345055" y="-1657"/>
+                  <a:pt x="549250" y="0"/>
+                </a:cubicBezTo>
+                <a:cubicBezTo>
+                  <a:pt x="753445" y="1657"/>
+                  <a:pt x="862292" y="-5674"/>
+                  <a:pt x="1082954" y="0"/>
+                </a:cubicBezTo>
+                <a:cubicBezTo>
+                  <a:pt x="1303616" y="5674"/>
+                  <a:pt x="1363530" y="4537"/>
+                  <a:pt x="1554480" y="0"/>
+                </a:cubicBezTo>
+                <a:cubicBezTo>
+                  <a:pt x="1554963" y="7176"/>
+                  <a:pt x="1553909" y="13682"/>
+                  <a:pt x="1554480" y="18288"/>
+                </a:cubicBezTo>
+                <a:cubicBezTo>
+                  <a:pt x="1338847" y="6127"/>
+                  <a:pt x="1215066" y="37851"/>
+                  <a:pt x="1067410" y="18288"/>
+                </a:cubicBezTo>
+                <a:cubicBezTo>
+                  <a:pt x="919754" y="-1275"/>
+                  <a:pt x="800465" y="3080"/>
+                  <a:pt x="549250" y="18288"/>
+                </a:cubicBezTo>
+                <a:cubicBezTo>
+                  <a:pt x="298035" y="33496"/>
+                  <a:pt x="158868" y="22769"/>
                   <a:pt x="0" y="18288"/>
                 </a:cubicBezTo>
                 <a:cubicBezTo>
-                  <a:pt x="-46" y="12483"/>
-                  <a:pt x="-203" y="6491"/>
+                  <a:pt x="-655" y="13237"/>
+                  <a:pt x="709" y="4645"/>
                   <a:pt x="0" y="0"/>
                 </a:cubicBezTo>
                 <a:close/>
               </a:path>
-              <a:path w="3255095" h="18288" stroke="0" extrusionOk="0">
+              <a:path w="1554480" h="18288" stroke="0" extrusionOk="0">
                 <a:moveTo>
                   <a:pt x="0" y="0"/>
                 </a:moveTo>
                 <a:cubicBezTo>
-                  <a:pt x="291965" y="19429"/>
-                  <a:pt x="363155" y="8568"/>
-                  <a:pt x="618468" y="0"/>
-                </a:cubicBezTo>
-                <a:cubicBezTo>
-                  <a:pt x="873781" y="-8568"/>
-                  <a:pt x="904459" y="-19505"/>
-                  <a:pt x="1171834" y="0"/>
-                </a:cubicBezTo>
-                <a:cubicBezTo>
-                  <a:pt x="1439209" y="19505"/>
-                  <a:pt x="1744369" y="9790"/>
-                  <a:pt x="1887955" y="0"/>
-                </a:cubicBezTo>
-                <a:cubicBezTo>
-                  <a:pt x="2031541" y="-9790"/>
-                  <a:pt x="2346378" y="21240"/>
-                  <a:pt x="2506423" y="0"/>
-                </a:cubicBezTo>
-                <a:cubicBezTo>
-                  <a:pt x="2666468" y="-21240"/>
-                  <a:pt x="2990257" y="30414"/>
-                  <a:pt x="3255095" y="0"/>
-                </a:cubicBezTo>
-                <a:cubicBezTo>
-                  <a:pt x="3254831" y="4493"/>
-                  <a:pt x="3255479" y="9472"/>
-                  <a:pt x="3255095" y="18288"/>
-                </a:cubicBezTo>
-                <a:cubicBezTo>
-                  <a:pt x="3120743" y="16690"/>
-                  <a:pt x="2759628" y="42462"/>
-                  <a:pt x="2604076" y="18288"/>
-                </a:cubicBezTo>
-                <a:cubicBezTo>
-                  <a:pt x="2448524" y="-5886"/>
-                  <a:pt x="2184336" y="19599"/>
-                  <a:pt x="1887955" y="18288"/>
-                </a:cubicBezTo>
-                <a:cubicBezTo>
-                  <a:pt x="1591574" y="16977"/>
-                  <a:pt x="1548845" y="6870"/>
-                  <a:pt x="1334589" y="18288"/>
-                </a:cubicBezTo>
-                <a:cubicBezTo>
-                  <a:pt x="1120333" y="29706"/>
-                  <a:pt x="996014" y="9662"/>
-                  <a:pt x="683570" y="18288"/>
-                </a:cubicBezTo>
-                <a:cubicBezTo>
-                  <a:pt x="371126" y="26914"/>
-                  <a:pt x="198687" y="16167"/>
+                  <a:pt x="249941" y="-58"/>
+                  <a:pt x="367334" y="23448"/>
+                  <a:pt x="502615" y="0"/>
+                </a:cubicBezTo>
+                <a:cubicBezTo>
+                  <a:pt x="637897" y="-23448"/>
+                  <a:pt x="813653" y="-20418"/>
+                  <a:pt x="974141" y="0"/>
+                </a:cubicBezTo>
+                <a:cubicBezTo>
+                  <a:pt x="1134629" y="20418"/>
+                  <a:pt x="1268772" y="6288"/>
+                  <a:pt x="1554480" y="0"/>
+                </a:cubicBezTo>
+                <a:cubicBezTo>
+                  <a:pt x="1554917" y="7222"/>
+                  <a:pt x="1555359" y="13299"/>
+                  <a:pt x="1554480" y="18288"/>
+                </a:cubicBezTo>
+                <a:cubicBezTo>
+                  <a:pt x="1336087" y="12172"/>
+                  <a:pt x="1310024" y="19759"/>
+                  <a:pt x="1067410" y="18288"/>
+                </a:cubicBezTo>
+                <a:cubicBezTo>
+                  <a:pt x="824796" y="16818"/>
+                  <a:pt x="787902" y="34647"/>
+                  <a:pt x="518160" y="18288"/>
+                </a:cubicBezTo>
+                <a:cubicBezTo>
+                  <a:pt x="248418" y="1930"/>
+                  <a:pt x="133160" y="9205"/>
                   <a:pt x="0" y="18288"/>
                 </a:cubicBezTo>
                 <a:cubicBezTo>
-                  <a:pt x="843" y="9577"/>
-                  <a:pt x="371" y="6900"/>
+                  <a:pt x="-643" y="9451"/>
+                  <a:pt x="-340" y="7114"/>
                   <a:pt x="0" y="0"/>
                 </a:cubicBezTo>
                 <a:close/>
@@ -4151,7 +4451,7 @@
           <a:solidFill>
             <a:schemeClr val="accent2"/>
           </a:solidFill>
-          <a:ln w="38100" cap="rnd">
+          <a:ln w="41275" cap="rnd">
             <a:solidFill>
               <a:schemeClr val="accent2"/>
             </a:solidFill>
@@ -4197,10 +4497,10 @@
       </p:sp>
       <p:sp>
         <p:nvSpPr>
-          <p:cNvPr id="13" name="Content Placeholder 12">
-            <a:extLst>
-              <a:ext uri="{FF2B5EF4-FFF2-40B4-BE49-F238E27FC236}">
-                <a16:creationId xmlns:a16="http://schemas.microsoft.com/office/drawing/2014/main" id="{808A7D47-48ED-9E12-B014-42D7EE729632}"/>
+          <p:cNvPr id="10" name="Content Placeholder 2">
+            <a:extLst>
+              <a:ext uri="{FF2B5EF4-FFF2-40B4-BE49-F238E27FC236}">
+                <a16:creationId xmlns:a16="http://schemas.microsoft.com/office/drawing/2014/main" id="{77AD6EF0-937E-C525-795E-9B922A644A4B}"/>
               </a:ext>
             </a:extLst>
           </p:cNvPr>
@@ -4213,40 +4513,45 @@
         </p:nvSpPr>
         <p:spPr>
           <a:xfrm>
-            <a:off x="630936" y="2807208"/>
-            <a:ext cx="3429000" cy="3410712"/>
+            <a:off x="5541263" y="457200"/>
+            <a:ext cx="6007608" cy="1929384"/>
           </a:xfrm>
         </p:spPr>
         <p:txBody>
-          <a:bodyPr anchor="t">
-            <a:normAutofit/>
+          <a:bodyPr vert="horz" lIns="91440" tIns="45720" rIns="91440" bIns="45720" rtlCol="0" anchor="ctr">
+            <a:normAutofit fontScale="92500" lnSpcReduction="10000"/>
           </a:bodyPr>
           <a:lstStyle/>
           <a:p>
             <a:r>
               <a:rPr lang="en-US" sz="2200" dirty="0"/>
-              <a:t>Because of the warmer temperatures, there are more hurricanes developed over time.</a:t>
+              <a:t>As anomalies get higher, the carbon dioxides increases as well.</a:t>
             </a:r>
           </a:p>
           <a:p>
             <a:r>
               <a:rPr lang="en-US" sz="2200" dirty="0"/>
-              <a:t>High risk hurricanes (category 3 or higher) are developed more </a:t>
-            </a:r>
-            <a:r>
-              <a:rPr lang="en-US" sz="2200"/>
-              <a:t>often since 2015.</a:t>
-            </a:r>
+              <a:t>With higher emissions of carbon dioxides, the climates become warmer. </a:t>
+            </a:r>
+          </a:p>
+          <a:p>
+            <a:r>
+              <a:rPr lang="en-US" sz="2200" dirty="0"/>
+              <a:t>This becomes a breeding ground for cyclonic storms.</a:t>
+            </a:r>
+          </a:p>
+          <a:p>
+            <a:pPr marL="0"/>
             <a:endParaRPr lang="en-US" sz="2200" dirty="0"/>
           </a:p>
         </p:txBody>
       </p:sp>
       <p:pic>
         <p:nvPicPr>
-          <p:cNvPr id="9" name="Content Placeholder 8" descr="A graph with blue lines and red dots&#10;&#10;Description automatically generated">
-            <a:extLst>
-              <a:ext uri="{FF2B5EF4-FFF2-40B4-BE49-F238E27FC236}">
-                <a16:creationId xmlns:a16="http://schemas.microsoft.com/office/drawing/2014/main" id="{3A848A28-0D8B-B815-34EA-1FCB5B6EF15B}"/>
+          <p:cNvPr id="8" name="Picture 7" descr="Graph of carbon dioxide and carbon dioxide&#10;&#10;Description automatically generated">
+            <a:extLst>
+              <a:ext uri="{FF2B5EF4-FFF2-40B4-BE49-F238E27FC236}">
+                <a16:creationId xmlns:a16="http://schemas.microsoft.com/office/drawing/2014/main" id="{BA7F630C-24F4-271B-B3A0-1A71254C4E18}"/>
               </a:ext>
             </a:extLst>
           </p:cNvPr>
@@ -4263,8 +4568,38 @@
         </p:blipFill>
         <p:spPr>
           <a:xfrm>
-            <a:off x="4654296" y="840105"/>
-            <a:ext cx="6903720" cy="5177789"/>
+            <a:off x="747776" y="2569464"/>
+            <a:ext cx="4905248" cy="3678936"/>
+          </a:xfrm>
+          <a:prstGeom prst="rect">
+            <a:avLst/>
+          </a:prstGeom>
+        </p:spPr>
+      </p:pic>
+      <p:pic>
+        <p:nvPicPr>
+          <p:cNvPr id="6" name="Picture 5" descr="A graph of carbon dioxide emission from 1999 to 2024&#10;&#10;Description automatically generated">
+            <a:extLst>
+              <a:ext uri="{FF2B5EF4-FFF2-40B4-BE49-F238E27FC236}">
+                <a16:creationId xmlns:a16="http://schemas.microsoft.com/office/drawing/2014/main" id="{43696F05-517A-13A6-E6DF-B919F30C5BB3}"/>
+              </a:ext>
+            </a:extLst>
+          </p:cNvPr>
+          <p:cNvPicPr>
+            <a:picLocks noChangeAspect="1"/>
+          </p:cNvPicPr>
+          <p:nvPr/>
+        </p:nvPicPr>
+        <p:blipFill>
+          <a:blip r:embed="rId3"/>
+          <a:stretch>
+            <a:fillRect/>
+          </a:stretch>
+        </p:blipFill>
+        <p:spPr>
+          <a:xfrm>
+            <a:off x="6535928" y="2569464"/>
+            <a:ext cx="4905248" cy="3678936"/>
           </a:xfrm>
           <a:prstGeom prst="rect">
             <a:avLst/>
@@ -4274,7 +4609,7 @@
     </p:spTree>
     <p:extLst>
       <p:ext uri="{BB962C8B-B14F-4D97-AF65-F5344CB8AC3E}">
-        <p14:creationId xmlns:p14="http://schemas.microsoft.com/office/powerpoint/2010/main" val="1303916912"/>
+        <p14:creationId xmlns:p14="http://schemas.microsoft.com/office/powerpoint/2010/main" val="2081101712"/>
       </p:ext>
     </p:extLst>
   </p:cSld>
@@ -4311,10 +4646,10 @@
       </p:grpSpPr>
       <p:sp useBgFill="1">
         <p:nvSpPr>
-          <p:cNvPr id="12" name="Rectangle 11">
-            <a:extLst>
-              <a:ext uri="{FF2B5EF4-FFF2-40B4-BE49-F238E27FC236}">
-                <a16:creationId xmlns:a16="http://schemas.microsoft.com/office/drawing/2014/main" id="{2B97F24A-32CE-4C1C-A50D-3016B394DCFB}"/>
+          <p:cNvPr id="47" name="Rectangle 46">
+            <a:extLst>
+              <a:ext uri="{FF2B5EF4-FFF2-40B4-BE49-F238E27FC236}">
+                <a16:creationId xmlns:a16="http://schemas.microsoft.com/office/drawing/2014/main" id="{F83B1BEA-1159-4AE5-AD9B-9440E5189009}"/>
               </a:ext>
               <a:ext uri="{C183D7F6-B498-43B3-948B-1728B52AA6E4}">
                 <adec:decorative xmlns:adec="http://schemas.microsoft.com/office/drawing/2017/decorative" val="1"/>
@@ -4335,7 +4670,7 @@
         <p:spPr>
           <a:xfrm>
             <a:off x="0" y="0"/>
-            <a:ext cx="12192000" cy="6858000"/>
+            <a:ext cx="12188952" cy="6858000"/>
           </a:xfrm>
           <a:prstGeom prst="rect">
             <a:avLst/>
@@ -4374,7 +4709,7 @@
           <p:cNvPr id="2" name="Title 1">
             <a:extLst>
               <a:ext uri="{FF2B5EF4-FFF2-40B4-BE49-F238E27FC236}">
-                <a16:creationId xmlns:a16="http://schemas.microsoft.com/office/drawing/2014/main" id="{8258F242-CF91-1DE5-A47F-4D5F14CDE581}"/>
+                <a16:creationId xmlns:a16="http://schemas.microsoft.com/office/drawing/2014/main" id="{94CE9F86-D32A-8A81-D1E6-C1A03288EF53}"/>
               </a:ext>
             </a:extLst>
           </p:cNvPr>
@@ -4387,29 +4722,29 @@
         </p:nvSpPr>
         <p:spPr>
           <a:xfrm>
-            <a:off x="630936" y="639520"/>
-            <a:ext cx="3429000" cy="1719072"/>
+            <a:off x="630936" y="381000"/>
+            <a:ext cx="3419856" cy="2003057"/>
           </a:xfrm>
         </p:spPr>
         <p:txBody>
-          <a:bodyPr anchor="b">
+          <a:bodyPr anchor="ctr">
             <a:normAutofit/>
           </a:bodyPr>
           <a:lstStyle/>
           <a:p>
             <a:r>
-              <a:rPr lang="en-US" sz="5400" dirty="0"/>
-              <a:t>Tornadoes</a:t>
-            </a:r>
-          </a:p>
-        </p:txBody>
-      </p:sp>
-      <p:sp>
-        <p:nvSpPr>
-          <p:cNvPr id="14" name="sketch line">
-            <a:extLst>
-              <a:ext uri="{FF2B5EF4-FFF2-40B4-BE49-F238E27FC236}">
-                <a16:creationId xmlns:a16="http://schemas.microsoft.com/office/drawing/2014/main" id="{6357EC4F-235E-4222-A36F-C7878ACE37F2}"/>
+              <a:rPr lang="en-US" sz="4800" dirty="0"/>
+              <a:t>Hurricanes &amp; Tornadoes</a:t>
+            </a:r>
+          </a:p>
+        </p:txBody>
+      </p:sp>
+      <p:sp>
+        <p:nvSpPr>
+          <p:cNvPr id="49" name="sketch line">
+            <a:extLst>
+              <a:ext uri="{FF2B5EF4-FFF2-40B4-BE49-F238E27FC236}">
+                <a16:creationId xmlns:a16="http://schemas.microsoft.com/office/drawing/2014/main" id="{5D50C310-510F-45B8-81D2-BE905D5C6D58}"/>
               </a:ext>
               <a:ext uri="{C183D7F6-B498-43B3-948B-1728B52AA6E4}">
                 <adec:decorative xmlns:adec="http://schemas.microsoft.com/office/drawing/2017/decorative" val="1"/>
@@ -4428,37 +4763,31 @@
           </p:nvPr>
         </p:nvSpPr>
         <p:spPr>
-          <a:xfrm>
-            <a:off x="643278" y="2573756"/>
-            <a:ext cx="3255095" cy="18288"/>
+          <a:xfrm rot="5400000">
+            <a:off x="3557015" y="1412748"/>
+            <a:ext cx="1554480" cy="18288"/>
           </a:xfrm>
           <a:custGeom>
             <a:avLst/>
             <a:gdLst>
-              <a:gd name="connsiteX0" fmla="*/ 0 w 3255095"/>
+              <a:gd name="connsiteX0" fmla="*/ 0 w 1554480"/>
               <a:gd name="connsiteY0" fmla="*/ 0 h 18288"/>
-              <a:gd name="connsiteX1" fmla="*/ 618468 w 3255095"/>
+              <a:gd name="connsiteX1" fmla="*/ 549250 w 1554480"/>
               <a:gd name="connsiteY1" fmla="*/ 0 h 18288"/>
-              <a:gd name="connsiteX2" fmla="*/ 1269487 w 3255095"/>
+              <a:gd name="connsiteX2" fmla="*/ 1082954 w 1554480"/>
               <a:gd name="connsiteY2" fmla="*/ 0 h 18288"/>
-              <a:gd name="connsiteX3" fmla="*/ 1953057 w 3255095"/>
+              <a:gd name="connsiteX3" fmla="*/ 1554480 w 1554480"/>
               <a:gd name="connsiteY3" fmla="*/ 0 h 18288"/>
-              <a:gd name="connsiteX4" fmla="*/ 2636627 w 3255095"/>
-              <a:gd name="connsiteY4" fmla="*/ 0 h 18288"/>
-              <a:gd name="connsiteX5" fmla="*/ 3255095 w 3255095"/>
-              <a:gd name="connsiteY5" fmla="*/ 0 h 18288"/>
-              <a:gd name="connsiteX6" fmla="*/ 3255095 w 3255095"/>
+              <a:gd name="connsiteX4" fmla="*/ 1554480 w 1554480"/>
+              <a:gd name="connsiteY4" fmla="*/ 18288 h 18288"/>
+              <a:gd name="connsiteX5" fmla="*/ 1067410 w 1554480"/>
+              <a:gd name="connsiteY5" fmla="*/ 18288 h 18288"/>
+              <a:gd name="connsiteX6" fmla="*/ 549250 w 1554480"/>
               <a:gd name="connsiteY6" fmla="*/ 18288 h 18288"/>
-              <a:gd name="connsiteX7" fmla="*/ 2538974 w 3255095"/>
+              <a:gd name="connsiteX7" fmla="*/ 0 w 1554480"/>
               <a:gd name="connsiteY7" fmla="*/ 18288 h 18288"/>
-              <a:gd name="connsiteX8" fmla="*/ 1822853 w 3255095"/>
-              <a:gd name="connsiteY8" fmla="*/ 18288 h 18288"/>
-              <a:gd name="connsiteX9" fmla="*/ 1171834 w 3255095"/>
-              <a:gd name="connsiteY9" fmla="*/ 18288 h 18288"/>
-              <a:gd name="connsiteX10" fmla="*/ 0 w 3255095"/>
-              <a:gd name="connsiteY10" fmla="*/ 18288 h 18288"/>
-              <a:gd name="connsiteX11" fmla="*/ 0 w 3255095"/>
-              <a:gd name="connsiteY11" fmla="*/ 0 h 18288"/>
+              <a:gd name="connsiteX8" fmla="*/ 0 w 1554480"/>
+              <a:gd name="connsiteY8" fmla="*/ 0 h 18288"/>
             </a:gdLst>
             <a:ahLst/>
             <a:cxnLst>
@@ -4489,141 +4818,97 @@
               <a:cxn ang="0">
                 <a:pos x="connsiteX8" y="connsiteY8"/>
               </a:cxn>
-              <a:cxn ang="0">
-                <a:pos x="connsiteX9" y="connsiteY9"/>
-              </a:cxn>
-              <a:cxn ang="0">
-                <a:pos x="connsiteX10" y="connsiteY10"/>
-              </a:cxn>
-              <a:cxn ang="0">
-                <a:pos x="connsiteX11" y="connsiteY11"/>
-              </a:cxn>
             </a:cxnLst>
             <a:rect l="l" t="t" r="r" b="b"/>
             <a:pathLst>
-              <a:path w="3255095" h="18288" fill="none" extrusionOk="0">
+              <a:path w="1554480" h="18288" fill="none" extrusionOk="0">
                 <a:moveTo>
                   <a:pt x="0" y="0"/>
                 </a:moveTo>
                 <a:cubicBezTo>
-                  <a:pt x="240201" y="-22123"/>
-                  <a:pt x="462021" y="-19623"/>
-                  <a:pt x="618468" y="0"/>
-                </a:cubicBezTo>
-                <a:cubicBezTo>
-                  <a:pt x="774915" y="19623"/>
-                  <a:pt x="974734" y="2035"/>
-                  <a:pt x="1269487" y="0"/>
-                </a:cubicBezTo>
-                <a:cubicBezTo>
-                  <a:pt x="1564240" y="-2035"/>
-                  <a:pt x="1733579" y="10639"/>
-                  <a:pt x="1953057" y="0"/>
-                </a:cubicBezTo>
-                <a:cubicBezTo>
-                  <a:pt x="2172535" y="-10639"/>
-                  <a:pt x="2453962" y="14018"/>
-                  <a:pt x="2636627" y="0"/>
-                </a:cubicBezTo>
-                <a:cubicBezTo>
-                  <a:pt x="2819292" y="-14018"/>
-                  <a:pt x="3121375" y="5399"/>
-                  <a:pt x="3255095" y="0"/>
-                </a:cubicBezTo>
-                <a:cubicBezTo>
-                  <a:pt x="3254386" y="8157"/>
-                  <a:pt x="3254682" y="12125"/>
-                  <a:pt x="3255095" y="18288"/>
-                </a:cubicBezTo>
-                <a:cubicBezTo>
-                  <a:pt x="3088545" y="23203"/>
-                  <a:pt x="2687475" y="7419"/>
-                  <a:pt x="2538974" y="18288"/>
-                </a:cubicBezTo>
-                <a:cubicBezTo>
-                  <a:pt x="2390473" y="29157"/>
-                  <a:pt x="2137381" y="-8959"/>
-                  <a:pt x="1822853" y="18288"/>
-                </a:cubicBezTo>
-                <a:cubicBezTo>
-                  <a:pt x="1508325" y="45535"/>
-                  <a:pt x="1466437" y="20385"/>
-                  <a:pt x="1171834" y="18288"/>
-                </a:cubicBezTo>
-                <a:cubicBezTo>
-                  <a:pt x="877231" y="16191"/>
-                  <a:pt x="561097" y="37643"/>
+                  <a:pt x="114141" y="-19864"/>
+                  <a:pt x="345055" y="-1657"/>
+                  <a:pt x="549250" y="0"/>
+                </a:cubicBezTo>
+                <a:cubicBezTo>
+                  <a:pt x="753445" y="1657"/>
+                  <a:pt x="862292" y="-5674"/>
+                  <a:pt x="1082954" y="0"/>
+                </a:cubicBezTo>
+                <a:cubicBezTo>
+                  <a:pt x="1303616" y="5674"/>
+                  <a:pt x="1363530" y="4537"/>
+                  <a:pt x="1554480" y="0"/>
+                </a:cubicBezTo>
+                <a:cubicBezTo>
+                  <a:pt x="1554963" y="7176"/>
+                  <a:pt x="1553909" y="13682"/>
+                  <a:pt x="1554480" y="18288"/>
+                </a:cubicBezTo>
+                <a:cubicBezTo>
+                  <a:pt x="1338847" y="6127"/>
+                  <a:pt x="1215066" y="37851"/>
+                  <a:pt x="1067410" y="18288"/>
+                </a:cubicBezTo>
+                <a:cubicBezTo>
+                  <a:pt x="919754" y="-1275"/>
+                  <a:pt x="800465" y="3080"/>
+                  <a:pt x="549250" y="18288"/>
+                </a:cubicBezTo>
+                <a:cubicBezTo>
+                  <a:pt x="298035" y="33496"/>
+                  <a:pt x="158868" y="22769"/>
                   <a:pt x="0" y="18288"/>
                 </a:cubicBezTo>
                 <a:cubicBezTo>
-                  <a:pt x="-46" y="12483"/>
-                  <a:pt x="-203" y="6491"/>
+                  <a:pt x="-655" y="13237"/>
+                  <a:pt x="709" y="4645"/>
                   <a:pt x="0" y="0"/>
                 </a:cubicBezTo>
                 <a:close/>
               </a:path>
-              <a:path w="3255095" h="18288" stroke="0" extrusionOk="0">
+              <a:path w="1554480" h="18288" stroke="0" extrusionOk="0">
                 <a:moveTo>
                   <a:pt x="0" y="0"/>
                 </a:moveTo>
                 <a:cubicBezTo>
-                  <a:pt x="291965" y="19429"/>
-                  <a:pt x="363155" y="8568"/>
-                  <a:pt x="618468" y="0"/>
-                </a:cubicBezTo>
-                <a:cubicBezTo>
-                  <a:pt x="873781" y="-8568"/>
-                  <a:pt x="904459" y="-19505"/>
-                  <a:pt x="1171834" y="0"/>
-                </a:cubicBezTo>
-                <a:cubicBezTo>
-                  <a:pt x="1439209" y="19505"/>
-                  <a:pt x="1744369" y="9790"/>
-                  <a:pt x="1887955" y="0"/>
-                </a:cubicBezTo>
-                <a:cubicBezTo>
-                  <a:pt x="2031541" y="-9790"/>
-                  <a:pt x="2346378" y="21240"/>
-                  <a:pt x="2506423" y="0"/>
-                </a:cubicBezTo>
-                <a:cubicBezTo>
-                  <a:pt x="2666468" y="-21240"/>
-                  <a:pt x="2990257" y="30414"/>
-                  <a:pt x="3255095" y="0"/>
-                </a:cubicBezTo>
-                <a:cubicBezTo>
-                  <a:pt x="3254831" y="4493"/>
-                  <a:pt x="3255479" y="9472"/>
-                  <a:pt x="3255095" y="18288"/>
-                </a:cubicBezTo>
-                <a:cubicBezTo>
-                  <a:pt x="3120743" y="16690"/>
-                  <a:pt x="2759628" y="42462"/>
-                  <a:pt x="2604076" y="18288"/>
-                </a:cubicBezTo>
-                <a:cubicBezTo>
-                  <a:pt x="2448524" y="-5886"/>
-                  <a:pt x="2184336" y="19599"/>
-                  <a:pt x="1887955" y="18288"/>
-                </a:cubicBezTo>
-                <a:cubicBezTo>
-                  <a:pt x="1591574" y="16977"/>
-                  <a:pt x="1548845" y="6870"/>
-                  <a:pt x="1334589" y="18288"/>
-                </a:cubicBezTo>
-                <a:cubicBezTo>
-                  <a:pt x="1120333" y="29706"/>
-                  <a:pt x="996014" y="9662"/>
-                  <a:pt x="683570" y="18288"/>
-                </a:cubicBezTo>
-                <a:cubicBezTo>
-                  <a:pt x="371126" y="26914"/>
-                  <a:pt x="198687" y="16167"/>
+                  <a:pt x="249941" y="-58"/>
+                  <a:pt x="367334" y="23448"/>
+                  <a:pt x="502615" y="0"/>
+                </a:cubicBezTo>
+                <a:cubicBezTo>
+                  <a:pt x="637897" y="-23448"/>
+                  <a:pt x="813653" y="-20418"/>
+                  <a:pt x="974141" y="0"/>
+                </a:cubicBezTo>
+                <a:cubicBezTo>
+                  <a:pt x="1134629" y="20418"/>
+                  <a:pt x="1268772" y="6288"/>
+                  <a:pt x="1554480" y="0"/>
+                </a:cubicBezTo>
+                <a:cubicBezTo>
+                  <a:pt x="1554917" y="7222"/>
+                  <a:pt x="1555359" y="13299"/>
+                  <a:pt x="1554480" y="18288"/>
+                </a:cubicBezTo>
+                <a:cubicBezTo>
+                  <a:pt x="1336087" y="12172"/>
+                  <a:pt x="1310024" y="19759"/>
+                  <a:pt x="1067410" y="18288"/>
+                </a:cubicBezTo>
+                <a:cubicBezTo>
+                  <a:pt x="824796" y="16818"/>
+                  <a:pt x="787902" y="34647"/>
+                  <a:pt x="518160" y="18288"/>
+                </a:cubicBezTo>
+                <a:cubicBezTo>
+                  <a:pt x="248418" y="1930"/>
+                  <a:pt x="133160" y="9205"/>
                   <a:pt x="0" y="18288"/>
                 </a:cubicBezTo>
                 <a:cubicBezTo>
-                  <a:pt x="843" y="9577"/>
-                  <a:pt x="371" y="6900"/>
+                  <a:pt x="-643" y="9451"/>
+                  <a:pt x="-340" y="7114"/>
                   <a:pt x="0" y="0"/>
                 </a:cubicBezTo>
                 <a:close/>
@@ -4633,7 +4918,7 @@
           <a:solidFill>
             <a:schemeClr val="accent2"/>
           </a:solidFill>
-          <a:ln w="38100" cap="rnd">
+          <a:ln w="41275" cap="rnd">
             <a:solidFill>
               <a:schemeClr val="accent2"/>
             </a:solidFill>
@@ -4679,10 +4964,10 @@
       </p:sp>
       <p:sp>
         <p:nvSpPr>
-          <p:cNvPr id="9" name="Content Placeholder 8">
-            <a:extLst>
-              <a:ext uri="{FF2B5EF4-FFF2-40B4-BE49-F238E27FC236}">
-                <a16:creationId xmlns:a16="http://schemas.microsoft.com/office/drawing/2014/main" id="{5859D293-89FA-FE8B-BC72-71471179605B}"/>
+          <p:cNvPr id="13" name="Content Placeholder 12">
+            <a:extLst>
+              <a:ext uri="{FF2B5EF4-FFF2-40B4-BE49-F238E27FC236}">
+                <a16:creationId xmlns:a16="http://schemas.microsoft.com/office/drawing/2014/main" id="{808A7D47-48ED-9E12-B014-42D7EE729632}"/>
               </a:ext>
             </a:extLst>
           </p:cNvPr>
@@ -4695,35 +4980,852 @@
         </p:nvSpPr>
         <p:spPr>
           <a:xfrm>
-            <a:off x="630936" y="2807208"/>
-            <a:ext cx="3429000" cy="3410712"/>
+            <a:off x="4654295" y="381000"/>
+            <a:ext cx="6894576" cy="2003057"/>
           </a:xfrm>
         </p:spPr>
         <p:txBody>
-          <a:bodyPr anchor="t">
+          <a:bodyPr anchor="ctr">
             <a:normAutofit/>
           </a:bodyPr>
           <a:lstStyle/>
           <a:p>
             <a:r>
               <a:rPr lang="en-US" sz="2200" dirty="0"/>
-              <a:t>With rapid temperature changes, more tornadoes are created due to warmer air. </a:t>
-            </a:r>
-          </a:p>
-          <a:p>
-            <a:r>
-              <a:rPr lang="en-US" sz="2200" dirty="0"/>
-              <a:t>In 2004, 296 tornadoes were created when the temperature changed drastically.</a:t>
-            </a:r>
+              <a:t>Because of the warmer climates, there are more cyclonic storms developed over time.</a:t>
+            </a:r>
+          </a:p>
+          <a:p>
+            <a:endParaRPr lang="en-US" sz="2200" dirty="0"/>
           </a:p>
         </p:txBody>
       </p:sp>
       <p:pic>
         <p:nvPicPr>
-          <p:cNvPr id="5" name="Content Placeholder 4" descr="A graph with green line and orange dots&#10;&#10;Description automatically generated">
-            <a:extLst>
-              <a:ext uri="{FF2B5EF4-FFF2-40B4-BE49-F238E27FC236}">
-                <a16:creationId xmlns:a16="http://schemas.microsoft.com/office/drawing/2014/main" id="{9A51DD4F-CC89-BAB1-FE0F-709FB3030898}"/>
+          <p:cNvPr id="11" name="Picture 10" descr="A graph of a graph of a number of tornados&#10;&#10;Description automatically generated with medium confidence">
+            <a:extLst>
+              <a:ext uri="{FF2B5EF4-FFF2-40B4-BE49-F238E27FC236}">
+                <a16:creationId xmlns:a16="http://schemas.microsoft.com/office/drawing/2014/main" id="{6EFD2391-A7DC-638A-69AD-FA16ED76BADA}"/>
+              </a:ext>
+            </a:extLst>
+          </p:cNvPr>
+          <p:cNvPicPr>
+            <a:picLocks noChangeAspect="1"/>
+          </p:cNvPicPr>
+          <p:nvPr/>
+        </p:nvPicPr>
+        <p:blipFill>
+          <a:blip r:embed="rId2"/>
+          <a:srcRect r="2868" b="-2"/>
+          <a:stretch/>
+        </p:blipFill>
+        <p:spPr>
+          <a:xfrm>
+            <a:off x="8" y="2668687"/>
+            <a:ext cx="6095992" cy="4189309"/>
+          </a:xfrm>
+          <a:custGeom>
+            <a:avLst/>
+            <a:gdLst/>
+            <a:ahLst/>
+            <a:cxnLst/>
+            <a:rect l="l" t="t" r="r" b="b"/>
+            <a:pathLst>
+              <a:path w="6005375" h="4189309">
+                <a:moveTo>
+                  <a:pt x="5422311" y="873"/>
+                </a:moveTo>
+                <a:cubicBezTo>
+                  <a:pt x="5467738" y="-1249"/>
+                  <a:pt x="5513346" y="499"/>
+                  <a:pt x="5558643" y="6137"/>
+                </a:cubicBezTo>
+                <a:cubicBezTo>
+                  <a:pt x="5633356" y="13367"/>
+                  <a:pt x="5708323" y="18441"/>
+                  <a:pt x="5783036" y="26052"/>
+                </a:cubicBezTo>
+                <a:cubicBezTo>
+                  <a:pt x="5816269" y="29477"/>
+                  <a:pt x="5849884" y="16792"/>
+                  <a:pt x="5882612" y="28462"/>
+                </a:cubicBezTo>
+                <a:cubicBezTo>
+                  <a:pt x="5909726" y="38166"/>
+                  <a:pt x="5937089" y="43856"/>
+                  <a:pt x="5964555" y="46416"/>
+                </a:cubicBezTo>
+                <a:lnTo>
+                  <a:pt x="5997178" y="46088"/>
+                </a:lnTo>
+                <a:lnTo>
+                  <a:pt x="5995170" y="275470"/>
+                </a:lnTo>
+                <a:cubicBezTo>
+                  <a:pt x="5993432" y="411056"/>
+                  <a:pt x="5993035" y="546624"/>
+                  <a:pt x="5999656" y="682159"/>
+                </a:cubicBezTo>
+                <a:cubicBezTo>
+                  <a:pt x="6009854" y="891918"/>
+                  <a:pt x="6003364" y="1101545"/>
+                  <a:pt x="5999656" y="1311172"/>
+                </a:cubicBezTo>
+                <a:cubicBezTo>
+                  <a:pt x="5992506" y="1713210"/>
+                  <a:pt x="6003364" y="2114718"/>
+                  <a:pt x="5998730" y="2516227"/>
+                </a:cubicBezTo>
+                <a:cubicBezTo>
+                  <a:pt x="5996744" y="2694204"/>
+                  <a:pt x="5998994" y="2871916"/>
+                  <a:pt x="6003364" y="3049893"/>
+                </a:cubicBezTo>
+                <a:cubicBezTo>
+                  <a:pt x="6009720" y="3304015"/>
+                  <a:pt x="5999922" y="3558268"/>
+                  <a:pt x="5989196" y="3812257"/>
+                </a:cubicBezTo>
+                <a:cubicBezTo>
+                  <a:pt x="5985594" y="3882097"/>
+                  <a:pt x="5984646" y="3952020"/>
+                  <a:pt x="5986348" y="4021878"/>
+                </a:cubicBezTo>
+                <a:lnTo>
+                  <a:pt x="5996786" y="4189309"/>
+                </a:lnTo>
+                <a:lnTo>
+                  <a:pt x="0" y="4189309"/>
+                </a:lnTo>
+                <a:lnTo>
+                  <a:pt x="0" y="27247"/>
+                </a:lnTo>
+                <a:lnTo>
+                  <a:pt x="495" y="27408"/>
+                </a:lnTo>
+                <a:cubicBezTo>
+                  <a:pt x="5176" y="27551"/>
+                  <a:pt x="10686" y="26465"/>
+                  <a:pt x="17314" y="23896"/>
+                </a:cubicBezTo>
+                <a:cubicBezTo>
+                  <a:pt x="33823" y="19050"/>
+                  <a:pt x="50862" y="16234"/>
+                  <a:pt x="68053" y="15524"/>
+                </a:cubicBezTo>
+                <a:cubicBezTo>
+                  <a:pt x="200481" y="-1093"/>
+                  <a:pt x="333037" y="3346"/>
+                  <a:pt x="466100" y="8801"/>
+                </a:cubicBezTo>
+                <a:cubicBezTo>
+                  <a:pt x="697850" y="18187"/>
+                  <a:pt x="929854" y="29096"/>
+                  <a:pt x="1161985" y="25798"/>
+                </a:cubicBezTo>
+                <a:cubicBezTo>
+                  <a:pt x="1397540" y="22373"/>
+                  <a:pt x="1632588" y="29604"/>
+                  <a:pt x="1867890" y="39117"/>
+                </a:cubicBezTo>
+                <a:cubicBezTo>
+                  <a:pt x="1971017" y="43050"/>
+                  <a:pt x="2074779" y="46982"/>
+                  <a:pt x="2176256" y="17680"/>
+                </a:cubicBezTo>
+                <a:cubicBezTo>
+                  <a:pt x="2199190" y="12314"/>
+                  <a:pt x="2223101" y="12834"/>
+                  <a:pt x="2245769" y="19202"/>
+                </a:cubicBezTo>
+                <a:cubicBezTo>
+                  <a:pt x="2359678" y="45713"/>
+                  <a:pt x="2474221" y="53578"/>
+                  <a:pt x="2589398" y="27447"/>
+                </a:cubicBezTo>
+                <a:cubicBezTo>
+                  <a:pt x="2721802" y="-1220"/>
+                  <a:pt x="2858087" y="-7347"/>
+                  <a:pt x="2992519" y="9308"/>
+                </a:cubicBezTo>
+                <a:cubicBezTo>
+                  <a:pt x="3115435" y="23008"/>
+                  <a:pt x="3238984" y="37849"/>
+                  <a:pt x="3362153" y="26813"/>
+                </a:cubicBezTo>
+                <a:cubicBezTo>
+                  <a:pt x="3556737" y="9308"/>
+                  <a:pt x="3751067" y="24530"/>
+                  <a:pt x="3945651" y="29223"/>
+                </a:cubicBezTo>
+                <a:cubicBezTo>
+                  <a:pt x="4010343" y="30745"/>
+                  <a:pt x="4075416" y="44064"/>
+                  <a:pt x="4139727" y="32141"/>
+                </a:cubicBezTo>
+                <a:cubicBezTo>
+                  <a:pt x="4241079" y="13367"/>
+                  <a:pt x="4341288" y="20597"/>
+                  <a:pt x="4442766" y="31126"/>
+                </a:cubicBezTo>
+                <a:cubicBezTo>
+                  <a:pt x="4637096" y="51422"/>
+                  <a:pt x="4831299" y="61189"/>
+                  <a:pt x="5024742" y="23134"/>
+                </a:cubicBezTo>
+                <a:cubicBezTo>
+                  <a:pt x="5084742" y="11211"/>
+                  <a:pt x="5144359" y="4361"/>
+                  <a:pt x="5205373" y="20344"/>
+                </a:cubicBezTo>
+                <a:cubicBezTo>
+                  <a:pt x="5232315" y="26496"/>
+                  <a:pt x="5260361" y="25976"/>
+                  <a:pt x="5287062" y="18822"/>
+                </a:cubicBezTo>
+                <a:cubicBezTo>
+                  <a:pt x="5331637" y="8985"/>
+                  <a:pt x="5376883" y="2995"/>
+                  <a:pt x="5422311" y="873"/>
+                </a:cubicBezTo>
+                <a:close/>
+              </a:path>
+            </a:pathLst>
+          </a:custGeom>
+        </p:spPr>
+      </p:pic>
+      <p:pic>
+        <p:nvPicPr>
+          <p:cNvPr id="8" name="Picture 7" descr="A graph with blue lines and red lines&#10;&#10;Description automatically generated">
+            <a:extLst>
+              <a:ext uri="{FF2B5EF4-FFF2-40B4-BE49-F238E27FC236}">
+                <a16:creationId xmlns:a16="http://schemas.microsoft.com/office/drawing/2014/main" id="{9F58C79A-7858-D166-79D6-685669EA5417}"/>
+              </a:ext>
+            </a:extLst>
+          </p:cNvPr>
+          <p:cNvPicPr>
+            <a:picLocks noChangeAspect="1"/>
+          </p:cNvPicPr>
+          <p:nvPr/>
+        </p:nvPicPr>
+        <p:blipFill rotWithShape="1">
+          <a:blip r:embed="rId3"/>
+          <a:srcRect/>
+          <a:stretch/>
+        </p:blipFill>
+        <p:spPr>
+          <a:xfrm>
+            <a:off x="5977416" y="2173488"/>
+            <a:ext cx="6172008" cy="4628989"/>
+          </a:xfrm>
+          <a:custGeom>
+            <a:avLst/>
+            <a:gdLst/>
+            <a:ahLst/>
+            <a:cxnLst/>
+            <a:rect l="l" t="t" r="r" b="b"/>
+            <a:pathLst>
+              <a:path w="6006950" h="4200116">
+                <a:moveTo>
+                  <a:pt x="1035902" y="878"/>
+                </a:moveTo>
+                <a:cubicBezTo>
+                  <a:pt x="1135908" y="5076"/>
+                  <a:pt x="1234824" y="23223"/>
+                  <a:pt x="1334526" y="31024"/>
+                </a:cubicBezTo>
+                <a:cubicBezTo>
+                  <a:pt x="1429408" y="38508"/>
+                  <a:pt x="1524290" y="49417"/>
+                  <a:pt x="1619679" y="34449"/>
+                </a:cubicBezTo>
+                <a:cubicBezTo>
+                  <a:pt x="1713242" y="21726"/>
+                  <a:pt x="1807870" y="18745"/>
+                  <a:pt x="1902041" y="25570"/>
+                </a:cubicBezTo>
+                <a:cubicBezTo>
+                  <a:pt x="2006183" y="30770"/>
+                  <a:pt x="2110071" y="48021"/>
+                  <a:pt x="2214847" y="33561"/>
+                </a:cubicBezTo>
+                <a:cubicBezTo>
+                  <a:pt x="2228052" y="32216"/>
+                  <a:pt x="2241384" y="33954"/>
+                  <a:pt x="2253790" y="38635"/>
+                </a:cubicBezTo>
+                <a:cubicBezTo>
+                  <a:pt x="2294520" y="52169"/>
+                  <a:pt x="2338397" y="53007"/>
+                  <a:pt x="2379622" y="41045"/>
+                </a:cubicBezTo>
+                <a:cubicBezTo>
+                  <a:pt x="2431756" y="27168"/>
+                  <a:pt x="2486503" y="26254"/>
+                  <a:pt x="2539069" y="38381"/>
+                </a:cubicBezTo>
+                <a:cubicBezTo>
+                  <a:pt x="2617207" y="55379"/>
+                  <a:pt x="2695598" y="72123"/>
+                  <a:pt x="2776908" y="58169"/>
+                </a:cubicBezTo>
+                <a:cubicBezTo>
+                  <a:pt x="2824222" y="50178"/>
+                  <a:pt x="2868111" y="30770"/>
+                  <a:pt x="2914791" y="21637"/>
+                </a:cubicBezTo>
+                <a:cubicBezTo>
+                  <a:pt x="3049249" y="-4620"/>
+                  <a:pt x="3184976" y="3244"/>
+                  <a:pt x="3320703" y="12124"/>
+                </a:cubicBezTo>
+                <a:cubicBezTo>
+                  <a:pt x="3453259" y="20876"/>
+                  <a:pt x="3585179" y="38888"/>
+                  <a:pt x="3718496" y="36225"/>
+                </a:cubicBezTo>
+                <a:cubicBezTo>
+                  <a:pt x="3746884" y="36440"/>
+                  <a:pt x="3775210" y="38812"/>
+                  <a:pt x="3803230" y="43328"/>
+                </a:cubicBezTo>
+                <a:cubicBezTo>
+                  <a:pt x="3907245" y="57028"/>
+                  <a:pt x="4011767" y="69966"/>
+                  <a:pt x="4114640" y="42313"/>
+                </a:cubicBezTo>
+                <a:cubicBezTo>
+                  <a:pt x="4206871" y="17312"/>
+                  <a:pt x="4303111" y="10677"/>
+                  <a:pt x="4397891" y="22779"/>
+                </a:cubicBezTo>
+                <a:cubicBezTo>
+                  <a:pt x="4522696" y="39130"/>
+                  <a:pt x="4648846" y="42707"/>
+                  <a:pt x="4774374" y="33434"/>
+                </a:cubicBezTo>
+                <a:cubicBezTo>
+                  <a:pt x="4813773" y="29515"/>
+                  <a:pt x="4853387" y="28107"/>
+                  <a:pt x="4892977" y="29248"/>
+                </a:cubicBezTo>
+                <a:cubicBezTo>
+                  <a:pt x="5181681" y="42440"/>
+                  <a:pt x="5471273" y="25062"/>
+                  <a:pt x="5759471" y="55759"/>
+                </a:cubicBezTo>
+                <a:cubicBezTo>
+                  <a:pt x="5805028" y="61131"/>
+                  <a:pt x="5850896" y="61524"/>
+                  <a:pt x="5896277" y="57017"/>
+                </a:cubicBezTo>
+                <a:lnTo>
+                  <a:pt x="6006950" y="33749"/>
+                </a:lnTo>
+                <a:lnTo>
+                  <a:pt x="6006950" y="4200116"/>
+                </a:lnTo>
+                <a:lnTo>
+                  <a:pt x="13501" y="4200116"/>
+                </a:lnTo>
+                <a:lnTo>
+                  <a:pt x="28554" y="3862213"/>
+                </a:lnTo>
+                <a:cubicBezTo>
+                  <a:pt x="30457" y="3736758"/>
+                  <a:pt x="27411" y="3611386"/>
+                  <a:pt x="15626" y="3486312"/>
+                </a:cubicBezTo>
+                <a:cubicBezTo>
+                  <a:pt x="-847" y="3333707"/>
+                  <a:pt x="-4304" y="3179990"/>
+                  <a:pt x="5296" y="3026802"/>
+                </a:cubicBezTo>
+                <a:cubicBezTo>
+                  <a:pt x="11786" y="2939137"/>
+                  <a:pt x="18539" y="2851472"/>
+                  <a:pt x="22776" y="2763676"/>
+                </a:cubicBezTo>
+                <a:cubicBezTo>
+                  <a:pt x="28180" y="2638786"/>
+                  <a:pt x="25173" y="2513673"/>
+                  <a:pt x="13771" y="2389181"/>
+                </a:cubicBezTo>
+                <a:cubicBezTo>
+                  <a:pt x="4237" y="2294247"/>
+                  <a:pt x="3177" y="2198663"/>
+                  <a:pt x="10593" y="2103543"/>
+                </a:cubicBezTo>
+                <a:cubicBezTo>
+                  <a:pt x="25690" y="1941590"/>
+                  <a:pt x="9931" y="1779636"/>
+                  <a:pt x="5032" y="1617814"/>
+                </a:cubicBezTo>
+                <a:cubicBezTo>
+                  <a:pt x="-3577" y="1320125"/>
+                  <a:pt x="20393" y="1022570"/>
+                  <a:pt x="9666" y="724882"/>
+                </a:cubicBezTo>
+                <a:cubicBezTo>
+                  <a:pt x="3841" y="577627"/>
+                  <a:pt x="16420" y="430504"/>
+                  <a:pt x="9666" y="283249"/>
+                </a:cubicBezTo>
+                <a:cubicBezTo>
+                  <a:pt x="6885" y="230875"/>
+                  <a:pt x="4568" y="178502"/>
+                  <a:pt x="3409" y="126111"/>
+                </a:cubicBezTo>
+                <a:lnTo>
+                  <a:pt x="3819" y="33427"/>
+                </a:lnTo>
+                <a:lnTo>
+                  <a:pt x="31797" y="28723"/>
+                </a:lnTo>
+                <a:cubicBezTo>
+                  <a:pt x="147177" y="14068"/>
+                  <a:pt x="264046" y="13354"/>
+                  <a:pt x="379873" y="26711"/>
+                </a:cubicBezTo>
+                <a:cubicBezTo>
+                  <a:pt x="443931" y="35083"/>
+                  <a:pt x="508243" y="47768"/>
+                  <a:pt x="573442" y="35083"/>
+                </a:cubicBezTo>
+                <a:cubicBezTo>
+                  <a:pt x="579581" y="33992"/>
+                  <a:pt x="585759" y="36757"/>
+                  <a:pt x="589044" y="42060"/>
+                </a:cubicBezTo>
+                <a:cubicBezTo>
+                  <a:pt x="621264" y="81382"/>
+                  <a:pt x="663123" y="80114"/>
+                  <a:pt x="705871" y="67429"/>
+                </a:cubicBezTo>
+                <a:cubicBezTo>
+                  <a:pt x="733929" y="58740"/>
+                  <a:pt x="761430" y="48326"/>
+                  <a:pt x="788194" y="36225"/>
+                </a:cubicBezTo>
+                <a:cubicBezTo>
+                  <a:pt x="835052" y="16792"/>
+                  <a:pt x="884827" y="5299"/>
+                  <a:pt x="935464" y="2230"/>
+                </a:cubicBezTo>
+                <a:cubicBezTo>
+                  <a:pt x="969111" y="-370"/>
+                  <a:pt x="1002567" y="-521"/>
+                  <a:pt x="1035902" y="878"/>
+                </a:cubicBezTo>
+                <a:close/>
+              </a:path>
+            </a:pathLst>
+          </a:custGeom>
+        </p:spPr>
+      </p:pic>
+    </p:spTree>
+    <p:extLst>
+      <p:ext uri="{BB962C8B-B14F-4D97-AF65-F5344CB8AC3E}">
+        <p14:creationId xmlns:p14="http://schemas.microsoft.com/office/powerpoint/2010/main" val="1303916912"/>
+      </p:ext>
+    </p:extLst>
+  </p:cSld>
+  <p:clrMapOvr>
+    <a:masterClrMapping/>
+  </p:clrMapOvr>
+</p:sld>
+</file>
+
+<file path=ppt/slides/slide4.xml><?xml version="1.0" encoding="utf-8"?>
+<p:sld xmlns:a="http://schemas.openxmlformats.org/drawingml/2006/main" xmlns:r="http://schemas.openxmlformats.org/officeDocument/2006/relationships" xmlns:p="http://schemas.openxmlformats.org/presentationml/2006/main">
+  <p:cSld>
+    <p:bg>
+      <p:bgPr>
+        <a:solidFill>
+          <a:schemeClr val="bg1"/>
+        </a:solidFill>
+        <a:effectLst/>
+      </p:bgPr>
+    </p:bg>
+    <p:spTree>
+      <p:nvGrpSpPr>
+        <p:cNvPr id="1" name=""/>
+        <p:cNvGrpSpPr/>
+        <p:nvPr/>
+      </p:nvGrpSpPr>
+      <p:grpSpPr>
+        <a:xfrm>
+          <a:off x="0" y="0"/>
+          <a:ext cx="0" cy="0"/>
+          <a:chOff x="0" y="0"/>
+          <a:chExt cx="0" cy="0"/>
+        </a:xfrm>
+      </p:grpSpPr>
+      <p:sp useBgFill="1">
+        <p:nvSpPr>
+          <p:cNvPr id="26" name="Rectangle 25">
+            <a:extLst>
+              <a:ext uri="{FF2B5EF4-FFF2-40B4-BE49-F238E27FC236}">
+                <a16:creationId xmlns:a16="http://schemas.microsoft.com/office/drawing/2014/main" id="{69D47016-023F-44BD-981C-50E7A10A6609}"/>
+              </a:ext>
+              <a:ext uri="{C183D7F6-B498-43B3-948B-1728B52AA6E4}">
+                <adec:decorative xmlns:adec="http://schemas.microsoft.com/office/drawing/2017/decorative" val="1"/>
+              </a:ext>
+            </a:extLst>
+          </p:cNvPr>
+          <p:cNvSpPr>
+            <a:spLocks noGrp="1" noRot="1" noChangeAspect="1" noMove="1" noResize="1" noEditPoints="1" noAdjustHandles="1" noChangeArrowheads="1" noChangeShapeType="1" noTextEdit="1"/>
+          </p:cNvSpPr>
+          <p:nvPr>
+            <p:extLst>
+              <p:ext uri="{386F3935-93C4-4BCD-93E2-E3B085C9AB24}">
+                <p16:designElem xmlns:p16="http://schemas.microsoft.com/office/powerpoint/2015/main" val="1"/>
+              </p:ext>
+            </p:extLst>
+          </p:nvPr>
+        </p:nvSpPr>
+        <p:spPr>
+          <a:xfrm>
+            <a:off x="0" y="0"/>
+            <a:ext cx="12188952" cy="6858000"/>
+          </a:xfrm>
+          <a:prstGeom prst="rect">
+            <a:avLst/>
+          </a:prstGeom>
+          <a:ln>
+            <a:noFill/>
+          </a:ln>
+        </p:spPr>
+        <p:style>
+          <a:lnRef idx="2">
+            <a:schemeClr val="accent1">
+              <a:shade val="50000"/>
+            </a:schemeClr>
+          </a:lnRef>
+          <a:fillRef idx="1">
+            <a:schemeClr val="accent1"/>
+          </a:fillRef>
+          <a:effectRef idx="0">
+            <a:schemeClr val="accent1"/>
+          </a:effectRef>
+          <a:fontRef idx="minor">
+            <a:schemeClr val="lt1"/>
+          </a:fontRef>
+        </p:style>
+        <p:txBody>
+          <a:bodyPr rtlCol="0" anchor="ctr"/>
+          <a:lstStyle/>
+          <a:p>
+            <a:pPr algn="ctr"/>
+            <a:endParaRPr lang="en-US" dirty="0"/>
+          </a:p>
+        </p:txBody>
+      </p:sp>
+      <p:sp>
+        <p:nvSpPr>
+          <p:cNvPr id="2" name="Title 1">
+            <a:extLst>
+              <a:ext uri="{FF2B5EF4-FFF2-40B4-BE49-F238E27FC236}">
+                <a16:creationId xmlns:a16="http://schemas.microsoft.com/office/drawing/2014/main" id="{8258F242-CF91-1DE5-A47F-4D5F14CDE581}"/>
+              </a:ext>
+            </a:extLst>
+          </p:cNvPr>
+          <p:cNvSpPr>
+            <a:spLocks noGrp="1"/>
+          </p:cNvSpPr>
+          <p:nvPr>
+            <p:ph type="title"/>
+          </p:nvPr>
+        </p:nvSpPr>
+        <p:spPr>
+          <a:xfrm>
+            <a:off x="630936" y="457200"/>
+            <a:ext cx="4343400" cy="1929384"/>
+          </a:xfrm>
+        </p:spPr>
+        <p:txBody>
+          <a:bodyPr anchor="ctr">
+            <a:normAutofit/>
+          </a:bodyPr>
+          <a:lstStyle/>
+          <a:p>
+            <a:r>
+              <a:rPr lang="en-US" sz="4800" dirty="0"/>
+              <a:t>Cyclonic Storm Strength</a:t>
+            </a:r>
+          </a:p>
+        </p:txBody>
+      </p:sp>
+      <p:sp>
+        <p:nvSpPr>
+          <p:cNvPr id="28" name="sketchy line">
+            <a:extLst>
+              <a:ext uri="{FF2B5EF4-FFF2-40B4-BE49-F238E27FC236}">
+                <a16:creationId xmlns:a16="http://schemas.microsoft.com/office/drawing/2014/main" id="{6D8B37B0-0682-433E-BC8D-498C04ABD9A7}"/>
+              </a:ext>
+              <a:ext uri="{C183D7F6-B498-43B3-948B-1728B52AA6E4}">
+                <adec:decorative xmlns:adec="http://schemas.microsoft.com/office/drawing/2017/decorative" val="1"/>
+              </a:ext>
+            </a:extLst>
+          </p:cNvPr>
+          <p:cNvSpPr>
+            <a:spLocks noGrp="1" noRot="1" noChangeAspect="1" noMove="1" noResize="1" noEditPoints="1" noAdjustHandles="1" noChangeArrowheads="1" noChangeShapeType="1" noTextEdit="1"/>
+          </p:cNvSpPr>
+          <p:nvPr>
+            <p:extLst>
+              <p:ext uri="{386F3935-93C4-4BCD-93E2-E3B085C9AB24}">
+                <p16:designElem xmlns:p16="http://schemas.microsoft.com/office/powerpoint/2015/main" val="1"/>
+              </p:ext>
+            </p:extLst>
+          </p:nvPr>
+        </p:nvSpPr>
+        <p:spPr>
+          <a:xfrm rot="5400000">
+            <a:off x="4471415" y="1412748"/>
+            <a:ext cx="1554480" cy="18288"/>
+          </a:xfrm>
+          <a:custGeom>
+            <a:avLst/>
+            <a:gdLst>
+              <a:gd name="connsiteX0" fmla="*/ 0 w 1554480"/>
+              <a:gd name="connsiteY0" fmla="*/ 0 h 18288"/>
+              <a:gd name="connsiteX1" fmla="*/ 549250 w 1554480"/>
+              <a:gd name="connsiteY1" fmla="*/ 0 h 18288"/>
+              <a:gd name="connsiteX2" fmla="*/ 1082954 w 1554480"/>
+              <a:gd name="connsiteY2" fmla="*/ 0 h 18288"/>
+              <a:gd name="connsiteX3" fmla="*/ 1554480 w 1554480"/>
+              <a:gd name="connsiteY3" fmla="*/ 0 h 18288"/>
+              <a:gd name="connsiteX4" fmla="*/ 1554480 w 1554480"/>
+              <a:gd name="connsiteY4" fmla="*/ 18288 h 18288"/>
+              <a:gd name="connsiteX5" fmla="*/ 1067410 w 1554480"/>
+              <a:gd name="connsiteY5" fmla="*/ 18288 h 18288"/>
+              <a:gd name="connsiteX6" fmla="*/ 549250 w 1554480"/>
+              <a:gd name="connsiteY6" fmla="*/ 18288 h 18288"/>
+              <a:gd name="connsiteX7" fmla="*/ 0 w 1554480"/>
+              <a:gd name="connsiteY7" fmla="*/ 18288 h 18288"/>
+              <a:gd name="connsiteX8" fmla="*/ 0 w 1554480"/>
+              <a:gd name="connsiteY8" fmla="*/ 0 h 18288"/>
+            </a:gdLst>
+            <a:ahLst/>
+            <a:cxnLst>
+              <a:cxn ang="0">
+                <a:pos x="connsiteX0" y="connsiteY0"/>
+              </a:cxn>
+              <a:cxn ang="0">
+                <a:pos x="connsiteX1" y="connsiteY1"/>
+              </a:cxn>
+              <a:cxn ang="0">
+                <a:pos x="connsiteX2" y="connsiteY2"/>
+              </a:cxn>
+              <a:cxn ang="0">
+                <a:pos x="connsiteX3" y="connsiteY3"/>
+              </a:cxn>
+              <a:cxn ang="0">
+                <a:pos x="connsiteX4" y="connsiteY4"/>
+              </a:cxn>
+              <a:cxn ang="0">
+                <a:pos x="connsiteX5" y="connsiteY5"/>
+              </a:cxn>
+              <a:cxn ang="0">
+                <a:pos x="connsiteX6" y="connsiteY6"/>
+              </a:cxn>
+              <a:cxn ang="0">
+                <a:pos x="connsiteX7" y="connsiteY7"/>
+              </a:cxn>
+              <a:cxn ang="0">
+                <a:pos x="connsiteX8" y="connsiteY8"/>
+              </a:cxn>
+            </a:cxnLst>
+            <a:rect l="l" t="t" r="r" b="b"/>
+            <a:pathLst>
+              <a:path w="1554480" h="18288" fill="none" extrusionOk="0">
+                <a:moveTo>
+                  <a:pt x="0" y="0"/>
+                </a:moveTo>
+                <a:cubicBezTo>
+                  <a:pt x="114141" y="-19864"/>
+                  <a:pt x="345055" y="-1657"/>
+                  <a:pt x="549250" y="0"/>
+                </a:cubicBezTo>
+                <a:cubicBezTo>
+                  <a:pt x="753445" y="1657"/>
+                  <a:pt x="862292" y="-5674"/>
+                  <a:pt x="1082954" y="0"/>
+                </a:cubicBezTo>
+                <a:cubicBezTo>
+                  <a:pt x="1303616" y="5674"/>
+                  <a:pt x="1363530" y="4537"/>
+                  <a:pt x="1554480" y="0"/>
+                </a:cubicBezTo>
+                <a:cubicBezTo>
+                  <a:pt x="1554963" y="7176"/>
+                  <a:pt x="1553909" y="13682"/>
+                  <a:pt x="1554480" y="18288"/>
+                </a:cubicBezTo>
+                <a:cubicBezTo>
+                  <a:pt x="1338847" y="6127"/>
+                  <a:pt x="1215066" y="37851"/>
+                  <a:pt x="1067410" y="18288"/>
+                </a:cubicBezTo>
+                <a:cubicBezTo>
+                  <a:pt x="919754" y="-1275"/>
+                  <a:pt x="800465" y="3080"/>
+                  <a:pt x="549250" y="18288"/>
+                </a:cubicBezTo>
+                <a:cubicBezTo>
+                  <a:pt x="298035" y="33496"/>
+                  <a:pt x="158868" y="22769"/>
+                  <a:pt x="0" y="18288"/>
+                </a:cubicBezTo>
+                <a:cubicBezTo>
+                  <a:pt x="-655" y="13237"/>
+                  <a:pt x="709" y="4645"/>
+                  <a:pt x="0" y="0"/>
+                </a:cubicBezTo>
+                <a:close/>
+              </a:path>
+              <a:path w="1554480" h="18288" stroke="0" extrusionOk="0">
+                <a:moveTo>
+                  <a:pt x="0" y="0"/>
+                </a:moveTo>
+                <a:cubicBezTo>
+                  <a:pt x="249941" y="-58"/>
+                  <a:pt x="367334" y="23448"/>
+                  <a:pt x="502615" y="0"/>
+                </a:cubicBezTo>
+                <a:cubicBezTo>
+                  <a:pt x="637897" y="-23448"/>
+                  <a:pt x="813653" y="-20418"/>
+                  <a:pt x="974141" y="0"/>
+                </a:cubicBezTo>
+                <a:cubicBezTo>
+                  <a:pt x="1134629" y="20418"/>
+                  <a:pt x="1268772" y="6288"/>
+                  <a:pt x="1554480" y="0"/>
+                </a:cubicBezTo>
+                <a:cubicBezTo>
+                  <a:pt x="1554917" y="7222"/>
+                  <a:pt x="1555359" y="13299"/>
+                  <a:pt x="1554480" y="18288"/>
+                </a:cubicBezTo>
+                <a:cubicBezTo>
+                  <a:pt x="1336087" y="12172"/>
+                  <a:pt x="1310024" y="19759"/>
+                  <a:pt x="1067410" y="18288"/>
+                </a:cubicBezTo>
+                <a:cubicBezTo>
+                  <a:pt x="824796" y="16818"/>
+                  <a:pt x="787902" y="34647"/>
+                  <a:pt x="518160" y="18288"/>
+                </a:cubicBezTo>
+                <a:cubicBezTo>
+                  <a:pt x="248418" y="1930"/>
+                  <a:pt x="133160" y="9205"/>
+                  <a:pt x="0" y="18288"/>
+                </a:cubicBezTo>
+                <a:cubicBezTo>
+                  <a:pt x="-643" y="9451"/>
+                  <a:pt x="-340" y="7114"/>
+                  <a:pt x="0" y="0"/>
+                </a:cubicBezTo>
+                <a:close/>
+              </a:path>
+            </a:pathLst>
+          </a:custGeom>
+          <a:solidFill>
+            <a:schemeClr val="accent2"/>
+          </a:solidFill>
+          <a:ln w="41275" cap="rnd">
+            <a:solidFill>
+              <a:schemeClr val="accent2"/>
+            </a:solidFill>
+            <a:round/>
+            <a:extLst>
+              <a:ext uri="{C807C97D-BFC1-408E-A445-0C87EB9F89A2}">
+                <ask:lineSketchStyleProps xmlns:ask="http://schemas.microsoft.com/office/drawing/2018/sketchyshapes" sd="1219033472">
+                  <a:prstGeom prst="rect">
+                    <a:avLst/>
+                  </a:prstGeom>
+                  <ask:type>
+                    <ask:lineSketchFreehand/>
+                  </ask:type>
+                </ask:lineSketchStyleProps>
+              </a:ext>
+            </a:extLst>
+          </a:ln>
+        </p:spPr>
+        <p:style>
+          <a:lnRef idx="2">
+            <a:schemeClr val="accent1">
+              <a:shade val="50000"/>
+            </a:schemeClr>
+          </a:lnRef>
+          <a:fillRef idx="1">
+            <a:schemeClr val="accent1"/>
+          </a:fillRef>
+          <a:effectRef idx="0">
+            <a:schemeClr val="accent1"/>
+          </a:effectRef>
+          <a:fontRef idx="minor">
+            <a:schemeClr val="lt1"/>
+          </a:fontRef>
+        </p:style>
+        <p:txBody>
+          <a:bodyPr rtlCol="0" anchor="ctr"/>
+          <a:lstStyle/>
+          <a:p>
+            <a:pPr algn="ctr"/>
+            <a:endParaRPr lang="en-US"/>
+          </a:p>
+        </p:txBody>
+      </p:sp>
+      <p:sp>
+        <p:nvSpPr>
+          <p:cNvPr id="9" name="Content Placeholder 8">
+            <a:extLst>
+              <a:ext uri="{FF2B5EF4-FFF2-40B4-BE49-F238E27FC236}">
+                <a16:creationId xmlns:a16="http://schemas.microsoft.com/office/drawing/2014/main" id="{5859D293-89FA-FE8B-BC72-71471179605B}"/>
+              </a:ext>
+            </a:extLst>
+          </p:cNvPr>
+          <p:cNvSpPr>
+            <a:spLocks noGrp="1"/>
+          </p:cNvSpPr>
+          <p:nvPr>
+            <p:ph idx="1"/>
+          </p:nvPr>
+        </p:nvSpPr>
+        <p:spPr>
+          <a:xfrm>
+            <a:off x="5541263" y="457200"/>
+            <a:ext cx="6007608" cy="1929384"/>
+          </a:xfrm>
+        </p:spPr>
+        <p:txBody>
+          <a:bodyPr anchor="ctr">
+            <a:normAutofit/>
+          </a:bodyPr>
+          <a:lstStyle/>
+          <a:p>
+            <a:r>
+              <a:rPr lang="en-US" sz="2200" dirty="0"/>
+              <a:t>As temperatures get warmer, the wind speed of cyclonic storms get stronger.</a:t>
+            </a:r>
+          </a:p>
+          <a:p>
+            <a:r>
+              <a:rPr lang="en-US" sz="2200" dirty="0"/>
+              <a:t>This leads to more powerful hurricanes and tornadoes.</a:t>
+            </a:r>
+          </a:p>
+        </p:txBody>
+      </p:sp>
+      <p:pic>
+        <p:nvPicPr>
+          <p:cNvPr id="15" name="Picture 14" descr="A graph with a red line&#10;&#10;Description automatically generated">
+            <a:extLst>
+              <a:ext uri="{FF2B5EF4-FFF2-40B4-BE49-F238E27FC236}">
+                <a16:creationId xmlns:a16="http://schemas.microsoft.com/office/drawing/2014/main" id="{0AA5A80A-1392-A4FD-ABA8-84696F815FB0}"/>
               </a:ext>
             </a:extLst>
           </p:cNvPr>
@@ -4740,8 +5842,38 @@
         </p:blipFill>
         <p:spPr>
           <a:xfrm>
-            <a:off x="4690872" y="959718"/>
-            <a:ext cx="7010937" cy="5258202"/>
+            <a:off x="466344" y="2583949"/>
+            <a:ext cx="5468112" cy="3649965"/>
+          </a:xfrm>
+          <a:prstGeom prst="rect">
+            <a:avLst/>
+          </a:prstGeom>
+        </p:spPr>
+      </p:pic>
+      <p:pic>
+        <p:nvPicPr>
+          <p:cNvPr id="17" name="Picture 16" descr="A graph of a graph showing the average hurricane winds&#10;&#10;Description automatically generated">
+            <a:extLst>
+              <a:ext uri="{FF2B5EF4-FFF2-40B4-BE49-F238E27FC236}">
+                <a16:creationId xmlns:a16="http://schemas.microsoft.com/office/drawing/2014/main" id="{7E80B2F1-7AC8-01C1-2D15-59BB20AC326A}"/>
+              </a:ext>
+            </a:extLst>
+          </p:cNvPr>
+          <p:cNvPicPr>
+            <a:picLocks noChangeAspect="1"/>
+          </p:cNvPicPr>
+          <p:nvPr/>
+        </p:nvPicPr>
+        <p:blipFill>
+          <a:blip r:embed="rId3"/>
+          <a:stretch>
+            <a:fillRect/>
+          </a:stretch>
+        </p:blipFill>
+        <p:spPr>
+          <a:xfrm>
+            <a:off x="6254496" y="2583949"/>
+            <a:ext cx="5468112" cy="3649965"/>
           </a:xfrm>
           <a:prstGeom prst="rect">
             <a:avLst/>
@@ -4761,7 +5893,7 @@
 </p:sld>
 </file>
 
-<file path=ppt/slides/slide4.xml><?xml version="1.0" encoding="utf-8"?>
+<file path=ppt/slides/slide5.xml><?xml version="1.0" encoding="utf-8"?>
 <p:sld xmlns:a="http://schemas.openxmlformats.org/drawingml/2006/main" xmlns:r="http://schemas.openxmlformats.org/officeDocument/2006/relationships" xmlns:p="http://schemas.openxmlformats.org/presentationml/2006/main">
   <p:cSld>
     <p:spTree>
@@ -4835,7 +5967,14 @@
           <a:p>
             <a:r>
               <a:rPr lang="en-US" dirty="0"/>
-              <a:t>I used pandas and </a:t>
+              <a:t>I used python packages to perform data preparation and data visualization.</a:t>
+            </a:r>
+          </a:p>
+          <a:p>
+            <a:pPr lvl="1"/>
+            <a:r>
+              <a:rPr lang="en-US" dirty="0"/>
+              <a:t>pandas and </a:t>
             </a:r>
             <a:r>
               <a:rPr lang="en-US" dirty="0" err="1"/>
@@ -4847,10 +5986,23 @@
             </a:r>
           </a:p>
           <a:p>
+            <a:pPr lvl="1"/>
             <a:r>
               <a:rPr lang="en-US" dirty="0"/>
-              <a:t>I used matplotlib and seaborn package to create data visualizations to display the effect of earth’s temperature.</a:t>
-            </a:r>
+              <a:t>matplotlib and seaborn package to create data visualizations to display the effect of earth’s temperature.</a:t>
+            </a:r>
+          </a:p>
+          <a:p>
+            <a:pPr lvl="1"/>
+            <a:r>
+              <a:rPr lang="en-US" dirty="0"/>
+              <a:t>Datetime package to cleanse </a:t>
+            </a:r>
+            <a:r>
+              <a:rPr lang="en-US"/>
+              <a:t>the date</a:t>
+            </a:r>
+            <a:endParaRPr lang="en-US" dirty="0"/>
           </a:p>
         </p:txBody>
       </p:sp>
